--- a/DocumentsTP/Documentation_Maxpid.pptx
+++ b/DocumentsTP/Documentation_Maxpid.pptx
@@ -208,7 +208,7 @@
             <a:fld id="{31555DB1-8736-42A3-B48D-2B08FB93332A}" type="datetimeFigureOut">
               <a:rPr lang="fr-FR" smtClean="0"/>
               <a:pPr/>
-              <a:t>03/01/2014</a:t>
+              <a:t>06/01/2014</a:t>
             </a:fld>
             <a:endParaRPr lang="fr-FR"/>
           </a:p>
@@ -367,7 +367,7 @@
             <a:fld id="{0BDB199F-A56C-4049-BA04-1447030960FF}" type="datetimeFigureOut">
               <a:rPr lang="fr-FR"/>
               <a:pPr/>
-              <a:t>03/01/2014</a:t>
+              <a:t>06/01/2014</a:t>
             </a:fld>
             <a:endParaRPr lang="fr-FR"/>
           </a:p>
@@ -9252,24 +9252,7 @@
                 <a:ea typeface="+mj-ea"/>
                 <a:cs typeface="+mj-cs"/>
               </a:rPr>
-              <a:t>Documentation Technique – </a:t>
-            </a:r>
-            <a:r>
-              <a:rPr kumimoji="0" lang="fr-FR" sz="1600" b="0" i="0" u="none" strike="noStrike" kern="0" cap="small" spc="0" normalizeH="0" baseline="0" noProof="0" dirty="0" smtClean="0">
-                <a:ln>
-                  <a:noFill/>
-                </a:ln>
-                <a:solidFill>
-                  <a:schemeClr val="bg1"/>
-                </a:solidFill>
-                <a:effectLst/>
-                <a:uLnTx/>
-                <a:uFillTx/>
-                <a:latin typeface="+mj-lt"/>
-                <a:ea typeface="+mj-ea"/>
-                <a:cs typeface="+mj-cs"/>
-              </a:rPr>
-              <a:t>Maxpid</a:t>
+              <a:t>Documentation Technique – Maxpid</a:t>
             </a:r>
             <a:endParaRPr kumimoji="0" lang="fr-FR" sz="1600" b="0" i="0" u="none" strike="noStrike" kern="0" cap="small" spc="0" normalizeH="0" baseline="0" noProof="0" dirty="0">
               <a:ln>
@@ -10148,7 +10131,6 @@
               <a:rPr lang="fr-FR" dirty="0" smtClean="0"/>
               <a:t>du Maxpid</a:t>
             </a:r>
-            <a:endParaRPr lang="fr-FR" dirty="0" smtClean="0"/>
           </a:p>
           <a:p>
             <a:r>
@@ -10340,11 +10322,7 @@
           <a:p>
             <a:r>
               <a:rPr lang="fr-FR" dirty="0" smtClean="0"/>
-              <a:t>Présentation interne </a:t>
-            </a:r>
-            <a:r>
-              <a:rPr lang="fr-FR" dirty="0" smtClean="0"/>
-              <a:t>Du </a:t>
+              <a:t>Présentation interne Du </a:t>
             </a:r>
             <a:r>
               <a:rPr lang="fr-FR" dirty="0" err="1" smtClean="0"/>
@@ -10511,7 +10489,6 @@
               <a:rPr lang="fr-FR" dirty="0" smtClean="0"/>
               <a:t>du Maxpid</a:t>
             </a:r>
-            <a:endParaRPr lang="fr-FR" dirty="0" smtClean="0"/>
           </a:p>
           <a:p>
             <a:r>
@@ -10698,11 +10675,7 @@
           <a:p>
             <a:r>
               <a:rPr lang="fr-FR" dirty="0" smtClean="0"/>
-              <a:t>Diagramme </a:t>
-            </a:r>
-            <a:r>
-              <a:rPr lang="fr-FR" dirty="0" smtClean="0"/>
-              <a:t>de blocs internes</a:t>
+              <a:t>Diagramme de blocs internes</a:t>
             </a:r>
           </a:p>
         </p:txBody>
@@ -10884,11 +10857,7 @@
           <a:p>
             <a:r>
               <a:rPr lang="fr-FR" dirty="0" smtClean="0"/>
-              <a:t>Diagramme </a:t>
-            </a:r>
-            <a:r>
-              <a:rPr lang="fr-FR" dirty="0" smtClean="0"/>
-              <a:t>de blocs internes</a:t>
+              <a:t>Diagramme de blocs internes</a:t>
             </a:r>
           </a:p>
         </p:txBody>
@@ -11070,15 +11039,7 @@
           <a:p>
             <a:r>
               <a:rPr lang="fr-FR" dirty="0" smtClean="0"/>
-              <a:t>Composants </a:t>
-            </a:r>
-            <a:r>
-              <a:rPr lang="fr-FR" dirty="0" smtClean="0"/>
-              <a:t>de la chaîne </a:t>
-            </a:r>
-            <a:r>
-              <a:rPr lang="fr-FR" dirty="0" smtClean="0"/>
-              <a:t>Fonctionnelle</a:t>
+              <a:t>Composants de la chaîne Fonctionnelle</a:t>
             </a:r>
             <a:endParaRPr lang="fr-FR" dirty="0"/>
           </a:p>
@@ -11928,13 +11889,7 @@
               <a:rPr lang="fr-FR" dirty="0" smtClean="0">
                 <a:hlinkClick r:id="rId2" action="ppaction://hlinksldjump"/>
               </a:rPr>
-              <a:t>Présentation générale </a:t>
-            </a:r>
-            <a:r>
-              <a:rPr lang="fr-FR" dirty="0" smtClean="0">
-                <a:hlinkClick r:id="rId2" action="ppaction://hlinksldjump"/>
-              </a:rPr>
-              <a:t>du Maxpid</a:t>
+              <a:t>Présentation générale du Maxpid</a:t>
             </a:r>
             <a:endParaRPr lang="fr-FR" dirty="0">
               <a:hlinkClick r:id="rId2" action="ppaction://hlinksldjump"/>
@@ -12662,11 +12617,7 @@
           <a:p>
             <a:r>
               <a:rPr lang="fr-FR" dirty="0" smtClean="0"/>
-              <a:t>Présentation générale </a:t>
-            </a:r>
-            <a:r>
-              <a:rPr lang="fr-FR" dirty="0" smtClean="0"/>
-              <a:t>du Maxpid</a:t>
+              <a:t>Présentation générale du Maxpid</a:t>
             </a:r>
             <a:endParaRPr lang="fr-FR" dirty="0"/>
           </a:p>
@@ -13421,11 +13372,7 @@
           <a:p>
             <a:r>
               <a:rPr lang="fr-FR" dirty="0" smtClean="0"/>
-              <a:t>Mise en œuvre </a:t>
-            </a:r>
-            <a:r>
-              <a:rPr lang="fr-FR" dirty="0" smtClean="0"/>
-              <a:t>du </a:t>
+              <a:t>Mise en œuvre du </a:t>
             </a:r>
             <a:r>
               <a:rPr lang="fr-FR" dirty="0" err="1" smtClean="0"/>
@@ -13544,6 +13491,53 @@
       </p:grpSpPr>
       <p:sp>
         <p:nvSpPr>
+          <p:cNvPr id="2" name="Espace réservé du contenu 1"/>
+          <p:cNvSpPr>
+            <a:spLocks noGrp="1"/>
+          </p:cNvSpPr>
+          <p:nvPr>
+            <p:ph sz="quarter" idx="15"/>
+          </p:nvPr>
+        </p:nvSpPr>
+        <p:spPr/>
+        <p:txBody>
+          <a:bodyPr/>
+          <a:lstStyle/>
+          <a:p>
+            <a:r>
+              <a:rPr lang="fr-FR" dirty="0" smtClean="0"/>
+              <a:t>Allumer le bouton rouge situé sur le côte gauche du Maxpid</a:t>
+            </a:r>
+          </a:p>
+          <a:p>
+            <a:r>
+              <a:rPr lang="fr-FR" dirty="0" smtClean="0"/>
+              <a:t>Lancer le logiciel </a:t>
+            </a:r>
+          </a:p>
+          <a:p>
+            <a:pPr lvl="1"/>
+            <a:r>
+              <a:rPr lang="fr-FR" dirty="0"/>
+              <a:t>D</a:t>
+            </a:r>
+            <a:r>
+              <a:rPr lang="fr-FR" dirty="0" smtClean="0"/>
+              <a:t>ossier TP CPGE sur le bureau</a:t>
+            </a:r>
+          </a:p>
+          <a:p>
+            <a:pPr lvl="1"/>
+            <a:r>
+              <a:rPr lang="fr-FR" dirty="0" smtClean="0"/>
+              <a:t>Maxpid</a:t>
+            </a:r>
+            <a:endParaRPr lang="fr-FR" dirty="0"/>
+          </a:p>
+        </p:txBody>
+      </p:sp>
+      <p:sp>
+        <p:nvSpPr>
           <p:cNvPr id="3" name="Espace réservé du numéro de diapositive 2"/>
           <p:cNvSpPr>
             <a:spLocks noGrp="1"/>
@@ -13682,11 +13676,7 @@
           <a:p>
             <a:r>
               <a:rPr lang="fr-FR" dirty="0" smtClean="0"/>
-              <a:t>Présentation externe </a:t>
-            </a:r>
-            <a:r>
-              <a:rPr lang="fr-FR" dirty="0" smtClean="0"/>
-              <a:t>Du </a:t>
+              <a:t>Présentation externe Du </a:t>
             </a:r>
             <a:r>
               <a:rPr lang="fr-FR" dirty="0" err="1" smtClean="0"/>

--- a/DocumentsTP/Documentation_Maxpid.pptx
+++ b/DocumentsTP/Documentation_Maxpid.pptx
@@ -5,10 +5,10 @@
     <p:sldMasterId id="2147483648" r:id="rId1"/>
   </p:sldMasterIdLst>
   <p:notesMasterIdLst>
-    <p:notesMasterId r:id="rId21"/>
+    <p:notesMasterId r:id="rId26"/>
   </p:notesMasterIdLst>
   <p:handoutMasterIdLst>
-    <p:handoutMasterId r:id="rId22"/>
+    <p:handoutMasterId r:id="rId27"/>
   </p:handoutMasterIdLst>
   <p:sldIdLst>
     <p:sldId id="256" r:id="rId2"/>
@@ -27,9 +27,14 @@
     <p:sldId id="318" r:id="rId15"/>
     <p:sldId id="317" r:id="rId16"/>
     <p:sldId id="303" r:id="rId17"/>
-    <p:sldId id="293" r:id="rId18"/>
-    <p:sldId id="294" r:id="rId19"/>
-    <p:sldId id="295" r:id="rId20"/>
+    <p:sldId id="319" r:id="rId18"/>
+    <p:sldId id="320" r:id="rId19"/>
+    <p:sldId id="321" r:id="rId20"/>
+    <p:sldId id="322" r:id="rId21"/>
+    <p:sldId id="323" r:id="rId22"/>
+    <p:sldId id="293" r:id="rId23"/>
+    <p:sldId id="294" r:id="rId24"/>
+    <p:sldId id="295" r:id="rId25"/>
   </p:sldIdLst>
   <p:sldSz cx="9144000" cy="6858000" type="screen4x3"/>
   <p:notesSz cx="7099300" cy="10234613"/>
@@ -208,7 +213,7 @@
             <a:fld id="{31555DB1-8736-42A3-B48D-2B08FB93332A}" type="datetimeFigureOut">
               <a:rPr lang="fr-FR" smtClean="0"/>
               <a:pPr/>
-              <a:t>06/01/2014</a:t>
+              <a:t>09/01/2014</a:t>
             </a:fld>
             <a:endParaRPr lang="fr-FR"/>
           </a:p>
@@ -367,7 +372,7 @@
             <a:fld id="{0BDB199F-A56C-4049-BA04-1447030960FF}" type="datetimeFigureOut">
               <a:rPr lang="fr-FR"/>
               <a:pPr/>
-              <a:t>06/01/2014</a:t>
+              <a:t>09/01/2014</a:t>
             </a:fld>
             <a:endParaRPr lang="fr-FR"/>
           </a:p>
@@ -11170,6 +11175,2064 @@
       </p:grpSpPr>
       <p:sp>
         <p:nvSpPr>
+          <p:cNvPr id="2" name="Espace réservé du contenu 1"/>
+          <p:cNvSpPr>
+            <a:spLocks noGrp="1"/>
+          </p:cNvSpPr>
+          <p:nvPr>
+            <p:ph sz="quarter" idx="15"/>
+          </p:nvPr>
+        </p:nvSpPr>
+        <p:spPr>
+          <a:xfrm>
+            <a:off x="304800" y="980728"/>
+            <a:ext cx="5347320" cy="3240360"/>
+          </a:xfrm>
+        </p:spPr>
+        <p:txBody>
+          <a:bodyPr>
+            <a:normAutofit/>
+          </a:bodyPr>
+          <a:lstStyle/>
+          <a:p>
+            <a:r>
+              <a:rPr lang="fr-FR" sz="1600" dirty="0"/>
+              <a:t>Les </a:t>
+            </a:r>
+            <a:r>
+              <a:rPr lang="fr-FR" sz="1600" dirty="0" smtClean="0"/>
+              <a:t>joints de Oldham </a:t>
+            </a:r>
+            <a:r>
+              <a:rPr lang="fr-FR" sz="1600" dirty="0"/>
+              <a:t>sont des </a:t>
+            </a:r>
+            <a:r>
+              <a:rPr lang="fr-FR" sz="1600" dirty="0" smtClean="0"/>
+              <a:t>accouplements flexibles </a:t>
+            </a:r>
+            <a:r>
+              <a:rPr lang="fr-FR" sz="1600" dirty="0"/>
+              <a:t>à 3 pièces, composés de 2 moyeux et d'un disque de transmission de couple. Les moyeux déterminent </a:t>
+            </a:r>
+            <a:r>
+              <a:rPr lang="fr-FR" sz="1600" dirty="0" smtClean="0"/>
+              <a:t>la méthode </a:t>
+            </a:r>
+            <a:r>
+              <a:rPr lang="fr-FR" sz="1600" dirty="0"/>
+              <a:t>d'installation et le mode de fixation, les disques déterminent la qualité de transmission.</a:t>
+            </a:r>
+          </a:p>
+          <a:p>
+            <a:r>
+              <a:rPr lang="fr-FR" sz="1600" dirty="0"/>
+              <a:t>Les 4 types de moyeux et les 2 matières de disques qui forment la gamme sont entièrement interchangeables, dans chacune des 9 </a:t>
+            </a:r>
+            <a:r>
+              <a:rPr lang="fr-FR" sz="1600" dirty="0" smtClean="0"/>
+              <a:t>tailles proposées</a:t>
+            </a:r>
+            <a:r>
+              <a:rPr lang="fr-FR" sz="1600" dirty="0"/>
+              <a:t>. Pour profiter de cette souplesse, les moyeux et les disques sont spécifiés et livrés séparément.</a:t>
+            </a:r>
+          </a:p>
+          <a:p>
+            <a:r>
+              <a:rPr lang="fr-FR" sz="1600" dirty="0"/>
+              <a:t>Les disques sont des éléments qui peuvent être remplacés à un prix raisonnable, en cas d'usure ou de cassure.</a:t>
+            </a:r>
+          </a:p>
+        </p:txBody>
+      </p:sp>
+      <p:sp>
+        <p:nvSpPr>
+          <p:cNvPr id="3" name="Espace réservé du numéro de diapositive 2"/>
+          <p:cNvSpPr>
+            <a:spLocks noGrp="1"/>
+          </p:cNvSpPr>
+          <p:nvPr>
+            <p:ph type="sldNum" sz="quarter" idx="17"/>
+          </p:nvPr>
+        </p:nvSpPr>
+        <p:spPr/>
+        <p:txBody>
+          <a:bodyPr/>
+          <a:lstStyle/>
+          <a:p>
+            <a:fld id="{256D3EEF-DE4E-429D-8EC4-DDC531AFF587}" type="slidenum">
+              <a:rPr lang="fr-FR" smtClean="0"/>
+              <a:pPr/>
+              <a:t>17</a:t>
+            </a:fld>
+            <a:endParaRPr lang="fr-FR" dirty="0"/>
+          </a:p>
+        </p:txBody>
+      </p:sp>
+      <p:sp>
+        <p:nvSpPr>
+          <p:cNvPr id="4" name="Espace réservé du texte 3"/>
+          <p:cNvSpPr>
+            <a:spLocks noGrp="1"/>
+          </p:cNvSpPr>
+          <p:nvPr>
+            <p:ph type="body" sz="quarter" idx="13"/>
+          </p:nvPr>
+        </p:nvSpPr>
+        <p:spPr/>
+        <p:txBody>
+          <a:bodyPr>
+            <a:normAutofit fontScale="55000" lnSpcReduction="20000"/>
+          </a:bodyPr>
+          <a:lstStyle/>
+          <a:p>
+            <a:r>
+              <a:rPr lang="fr-FR" dirty="0" smtClean="0"/>
+              <a:t>Présentation interne du </a:t>
+            </a:r>
+            <a:r>
+              <a:rPr lang="fr-FR" dirty="0" err="1" smtClean="0"/>
+              <a:t>maxpid</a:t>
+            </a:r>
+            <a:r>
+              <a:rPr lang="fr-FR" dirty="0" smtClean="0"/>
+              <a:t> – Composants</a:t>
+            </a:r>
+          </a:p>
+          <a:p>
+            <a:r>
+              <a:rPr lang="fr-FR" dirty="0" smtClean="0"/>
+              <a:t>Accouplement par Joint de Oldham</a:t>
+            </a:r>
+            <a:endParaRPr lang="fr-FR" dirty="0"/>
+          </a:p>
+        </p:txBody>
+      </p:sp>
+      <p:pic>
+        <p:nvPicPr>
+          <p:cNvPr id="1026" name="Picture 2"/>
+          <p:cNvPicPr>
+            <a:picLocks noChangeAspect="1" noChangeArrowheads="1"/>
+          </p:cNvPicPr>
+          <p:nvPr/>
+        </p:nvPicPr>
+        <p:blipFill>
+          <a:blip r:embed="rId2">
+            <a:extLst>
+              <a:ext uri="{28A0092B-C50C-407E-A947-70E740481C1C}">
+                <a14:useLocalDpi xmlns:a14="http://schemas.microsoft.com/office/drawing/2010/main" val="0"/>
+              </a:ext>
+            </a:extLst>
+          </a:blip>
+          <a:srcRect/>
+          <a:stretch>
+            <a:fillRect/>
+          </a:stretch>
+        </p:blipFill>
+        <p:spPr bwMode="auto">
+          <a:xfrm>
+            <a:off x="5961682" y="3068960"/>
+            <a:ext cx="1905000" cy="1914525"/>
+          </a:xfrm>
+          <a:prstGeom prst="rect">
+            <a:avLst/>
+          </a:prstGeom>
+          <a:noFill/>
+          <a:ln>
+            <a:noFill/>
+          </a:ln>
+          <a:extLst>
+            <a:ext uri="{909E8E84-426E-40DD-AFC4-6F175D3DCCD1}">
+              <a14:hiddenFill xmlns:a14="http://schemas.microsoft.com/office/drawing/2010/main">
+                <a:solidFill>
+                  <a:schemeClr val="accent1"/>
+                </a:solidFill>
+              </a14:hiddenFill>
+            </a:ext>
+            <a:ext uri="{91240B29-F687-4F45-9708-019B960494DF}">
+              <a14:hiddenLine xmlns:a14="http://schemas.microsoft.com/office/drawing/2010/main" w="9525">
+                <a:solidFill>
+                  <a:schemeClr val="tx1"/>
+                </a:solidFill>
+                <a:miter lim="800000"/>
+                <a:headEnd/>
+                <a:tailEnd/>
+              </a14:hiddenLine>
+            </a:ext>
+          </a:extLst>
+        </p:spPr>
+      </p:pic>
+      <p:pic>
+        <p:nvPicPr>
+          <p:cNvPr id="1027" name="Picture 3"/>
+          <p:cNvPicPr>
+            <a:picLocks noChangeAspect="1" noChangeArrowheads="1"/>
+          </p:cNvPicPr>
+          <p:nvPr/>
+        </p:nvPicPr>
+        <p:blipFill>
+          <a:blip r:embed="rId3">
+            <a:extLst>
+              <a:ext uri="{28A0092B-C50C-407E-A947-70E740481C1C}">
+                <a14:useLocalDpi xmlns:a14="http://schemas.microsoft.com/office/drawing/2010/main" val="0"/>
+              </a:ext>
+            </a:extLst>
+          </a:blip>
+          <a:srcRect/>
+          <a:stretch>
+            <a:fillRect/>
+          </a:stretch>
+        </p:blipFill>
+        <p:spPr bwMode="auto">
+          <a:xfrm>
+            <a:off x="5652120" y="980728"/>
+            <a:ext cx="2524125" cy="1914525"/>
+          </a:xfrm>
+          <a:prstGeom prst="rect">
+            <a:avLst/>
+          </a:prstGeom>
+          <a:noFill/>
+          <a:ln>
+            <a:noFill/>
+          </a:ln>
+          <a:extLst>
+            <a:ext uri="{909E8E84-426E-40DD-AFC4-6F175D3DCCD1}">
+              <a14:hiddenFill xmlns:a14="http://schemas.microsoft.com/office/drawing/2010/main">
+                <a:solidFill>
+                  <a:schemeClr val="accent1"/>
+                </a:solidFill>
+              </a14:hiddenFill>
+            </a:ext>
+            <a:ext uri="{91240B29-F687-4F45-9708-019B960494DF}">
+              <a14:hiddenLine xmlns:a14="http://schemas.microsoft.com/office/drawing/2010/main" w="9525">
+                <a:solidFill>
+                  <a:schemeClr val="tx1"/>
+                </a:solidFill>
+                <a:miter lim="800000"/>
+                <a:headEnd/>
+                <a:tailEnd/>
+              </a14:hiddenLine>
+            </a:ext>
+          </a:extLst>
+        </p:spPr>
+      </p:pic>
+      <p:pic>
+        <p:nvPicPr>
+          <p:cNvPr id="1028" name="Picture 4"/>
+          <p:cNvPicPr>
+            <a:picLocks noChangeAspect="1" noChangeArrowheads="1"/>
+          </p:cNvPicPr>
+          <p:nvPr/>
+        </p:nvPicPr>
+        <p:blipFill>
+          <a:blip r:embed="rId4">
+            <a:extLst>
+              <a:ext uri="{28A0092B-C50C-407E-A947-70E740481C1C}">
+                <a14:useLocalDpi xmlns:a14="http://schemas.microsoft.com/office/drawing/2010/main" val="0"/>
+              </a:ext>
+            </a:extLst>
+          </a:blip>
+          <a:srcRect/>
+          <a:stretch>
+            <a:fillRect/>
+          </a:stretch>
+        </p:blipFill>
+        <p:spPr bwMode="auto">
+          <a:xfrm>
+            <a:off x="107504" y="4149080"/>
+            <a:ext cx="3946704" cy="2708920"/>
+          </a:xfrm>
+          <a:prstGeom prst="rect">
+            <a:avLst/>
+          </a:prstGeom>
+          <a:noFill/>
+          <a:ln>
+            <a:noFill/>
+          </a:ln>
+          <a:extLst>
+            <a:ext uri="{909E8E84-426E-40DD-AFC4-6F175D3DCCD1}">
+              <a14:hiddenFill xmlns:a14="http://schemas.microsoft.com/office/drawing/2010/main">
+                <a:solidFill>
+                  <a:schemeClr val="accent1"/>
+                </a:solidFill>
+              </a14:hiddenFill>
+            </a:ext>
+            <a:ext uri="{91240B29-F687-4F45-9708-019B960494DF}">
+              <a14:hiddenLine xmlns:a14="http://schemas.microsoft.com/office/drawing/2010/main" w="9525">
+                <a:solidFill>
+                  <a:schemeClr val="tx1"/>
+                </a:solidFill>
+                <a:miter lim="800000"/>
+                <a:headEnd/>
+                <a:tailEnd/>
+              </a14:hiddenLine>
+            </a:ext>
+          </a:extLst>
+        </p:spPr>
+      </p:pic>
+      <p:pic>
+        <p:nvPicPr>
+          <p:cNvPr id="1029" name="Picture 5"/>
+          <p:cNvPicPr>
+            <a:picLocks noChangeAspect="1" noChangeArrowheads="1"/>
+          </p:cNvPicPr>
+          <p:nvPr/>
+        </p:nvPicPr>
+        <p:blipFill>
+          <a:blip r:embed="rId5">
+            <a:extLst>
+              <a:ext uri="{28A0092B-C50C-407E-A947-70E740481C1C}">
+                <a14:useLocalDpi xmlns:a14="http://schemas.microsoft.com/office/drawing/2010/main" val="0"/>
+              </a:ext>
+            </a:extLst>
+          </a:blip>
+          <a:srcRect/>
+          <a:stretch>
+            <a:fillRect/>
+          </a:stretch>
+        </p:blipFill>
+        <p:spPr bwMode="auto">
+          <a:xfrm>
+            <a:off x="4048163" y="4233995"/>
+            <a:ext cx="1857605" cy="1224136"/>
+          </a:xfrm>
+          <a:prstGeom prst="rect">
+            <a:avLst/>
+          </a:prstGeom>
+          <a:noFill/>
+          <a:ln>
+            <a:noFill/>
+          </a:ln>
+          <a:extLst>
+            <a:ext uri="{909E8E84-426E-40DD-AFC4-6F175D3DCCD1}">
+              <a14:hiddenFill xmlns:a14="http://schemas.microsoft.com/office/drawing/2010/main">
+                <a:solidFill>
+                  <a:schemeClr val="accent1"/>
+                </a:solidFill>
+              </a14:hiddenFill>
+            </a:ext>
+            <a:ext uri="{91240B29-F687-4F45-9708-019B960494DF}">
+              <a14:hiddenLine xmlns:a14="http://schemas.microsoft.com/office/drawing/2010/main" w="9525">
+                <a:solidFill>
+                  <a:schemeClr val="tx1"/>
+                </a:solidFill>
+                <a:miter lim="800000"/>
+                <a:headEnd/>
+                <a:tailEnd/>
+              </a14:hiddenLine>
+            </a:ext>
+          </a:extLst>
+        </p:spPr>
+      </p:pic>
+      <p:pic>
+        <p:nvPicPr>
+          <p:cNvPr id="1030" name="Picture 6"/>
+          <p:cNvPicPr>
+            <a:picLocks noChangeAspect="1" noChangeArrowheads="1"/>
+          </p:cNvPicPr>
+          <p:nvPr/>
+        </p:nvPicPr>
+        <p:blipFill>
+          <a:blip r:embed="rId6">
+            <a:extLst>
+              <a:ext uri="{28A0092B-C50C-407E-A947-70E740481C1C}">
+                <a14:useLocalDpi xmlns:a14="http://schemas.microsoft.com/office/drawing/2010/main" val="0"/>
+              </a:ext>
+            </a:extLst>
+          </a:blip>
+          <a:srcRect/>
+          <a:stretch>
+            <a:fillRect/>
+          </a:stretch>
+        </p:blipFill>
+        <p:spPr bwMode="auto">
+          <a:xfrm>
+            <a:off x="5961682" y="5503540"/>
+            <a:ext cx="838200" cy="847725"/>
+          </a:xfrm>
+          <a:prstGeom prst="rect">
+            <a:avLst/>
+          </a:prstGeom>
+          <a:noFill/>
+          <a:ln>
+            <a:noFill/>
+          </a:ln>
+          <a:extLst>
+            <a:ext uri="{909E8E84-426E-40DD-AFC4-6F175D3DCCD1}">
+              <a14:hiddenFill xmlns:a14="http://schemas.microsoft.com/office/drawing/2010/main">
+                <a:solidFill>
+                  <a:schemeClr val="accent1"/>
+                </a:solidFill>
+              </a14:hiddenFill>
+            </a:ext>
+            <a:ext uri="{91240B29-F687-4F45-9708-019B960494DF}">
+              <a14:hiddenLine xmlns:a14="http://schemas.microsoft.com/office/drawing/2010/main" w="9525">
+                <a:solidFill>
+                  <a:schemeClr val="tx1"/>
+                </a:solidFill>
+                <a:miter lim="800000"/>
+                <a:headEnd/>
+                <a:tailEnd/>
+              </a14:hiddenLine>
+            </a:ext>
+          </a:extLst>
+        </p:spPr>
+      </p:pic>
+      <p:pic>
+        <p:nvPicPr>
+          <p:cNvPr id="1031" name="Picture 7"/>
+          <p:cNvPicPr>
+            <a:picLocks noChangeAspect="1" noChangeArrowheads="1"/>
+          </p:cNvPicPr>
+          <p:nvPr/>
+        </p:nvPicPr>
+        <p:blipFill>
+          <a:blip r:embed="rId7">
+            <a:extLst>
+              <a:ext uri="{28A0092B-C50C-407E-A947-70E740481C1C}">
+                <a14:useLocalDpi xmlns:a14="http://schemas.microsoft.com/office/drawing/2010/main" val="0"/>
+              </a:ext>
+            </a:extLst>
+          </a:blip>
+          <a:srcRect/>
+          <a:stretch>
+            <a:fillRect/>
+          </a:stretch>
+        </p:blipFill>
+        <p:spPr bwMode="auto">
+          <a:xfrm>
+            <a:off x="7085430" y="5532114"/>
+            <a:ext cx="781050" cy="790575"/>
+          </a:xfrm>
+          <a:prstGeom prst="rect">
+            <a:avLst/>
+          </a:prstGeom>
+          <a:noFill/>
+          <a:ln>
+            <a:noFill/>
+          </a:ln>
+          <a:extLst>
+            <a:ext uri="{909E8E84-426E-40DD-AFC4-6F175D3DCCD1}">
+              <a14:hiddenFill xmlns:a14="http://schemas.microsoft.com/office/drawing/2010/main">
+                <a:solidFill>
+                  <a:schemeClr val="accent1"/>
+                </a:solidFill>
+              </a14:hiddenFill>
+            </a:ext>
+            <a:ext uri="{91240B29-F687-4F45-9708-019B960494DF}">
+              <a14:hiddenLine xmlns:a14="http://schemas.microsoft.com/office/drawing/2010/main" w="9525">
+                <a:solidFill>
+                  <a:schemeClr val="tx1"/>
+                </a:solidFill>
+                <a:miter lim="800000"/>
+                <a:headEnd/>
+                <a:tailEnd/>
+              </a14:hiddenLine>
+            </a:ext>
+          </a:extLst>
+        </p:spPr>
+      </p:pic>
+    </p:spTree>
+    <p:extLst>
+      <p:ext uri="{BB962C8B-B14F-4D97-AF65-F5344CB8AC3E}">
+        <p14:creationId xmlns:p14="http://schemas.microsoft.com/office/powerpoint/2010/main" val="1974085428"/>
+      </p:ext>
+    </p:extLst>
+  </p:cSld>
+  <p:clrMapOvr>
+    <a:masterClrMapping/>
+  </p:clrMapOvr>
+</p:sld>
+</file>
+
+<file path=ppt/slides/slide18.xml><?xml version="1.0" encoding="utf-8"?>
+<p:sld xmlns:a="http://schemas.openxmlformats.org/drawingml/2006/main" xmlns:r="http://schemas.openxmlformats.org/officeDocument/2006/relationships" xmlns:p="http://schemas.openxmlformats.org/presentationml/2006/main">
+  <p:cSld>
+    <p:spTree>
+      <p:nvGrpSpPr>
+        <p:cNvPr id="1" name=""/>
+        <p:cNvGrpSpPr/>
+        <p:nvPr/>
+      </p:nvGrpSpPr>
+      <p:grpSpPr>
+        <a:xfrm>
+          <a:off x="0" y="0"/>
+          <a:ext cx="0" cy="0"/>
+          <a:chOff x="0" y="0"/>
+          <a:chExt cx="0" cy="0"/>
+        </a:xfrm>
+      </p:grpSpPr>
+      <p:sp>
+        <p:nvSpPr>
+          <p:cNvPr id="2" name="Espace réservé du contenu 1"/>
+          <p:cNvSpPr>
+            <a:spLocks noGrp="1"/>
+          </p:cNvSpPr>
+          <p:nvPr>
+            <p:ph sz="quarter" idx="15"/>
+          </p:nvPr>
+        </p:nvSpPr>
+        <p:spPr/>
+        <p:txBody>
+          <a:bodyPr/>
+          <a:lstStyle/>
+          <a:p>
+            <a:endParaRPr lang="fr-FR" dirty="0"/>
+          </a:p>
+        </p:txBody>
+      </p:sp>
+      <p:sp>
+        <p:nvSpPr>
+          <p:cNvPr id="3" name="Espace réservé du numéro de diapositive 2"/>
+          <p:cNvSpPr>
+            <a:spLocks noGrp="1"/>
+          </p:cNvSpPr>
+          <p:nvPr>
+            <p:ph type="sldNum" sz="quarter" idx="17"/>
+          </p:nvPr>
+        </p:nvSpPr>
+        <p:spPr/>
+        <p:txBody>
+          <a:bodyPr/>
+          <a:lstStyle/>
+          <a:p>
+            <a:fld id="{256D3EEF-DE4E-429D-8EC4-DDC531AFF587}" type="slidenum">
+              <a:rPr lang="fr-FR" smtClean="0"/>
+              <a:pPr/>
+              <a:t>18</a:t>
+            </a:fld>
+            <a:endParaRPr lang="fr-FR" dirty="0"/>
+          </a:p>
+        </p:txBody>
+      </p:sp>
+      <p:sp>
+        <p:nvSpPr>
+          <p:cNvPr id="4" name="Espace réservé du texte 3"/>
+          <p:cNvSpPr>
+            <a:spLocks noGrp="1"/>
+          </p:cNvSpPr>
+          <p:nvPr>
+            <p:ph type="body" sz="quarter" idx="13"/>
+          </p:nvPr>
+        </p:nvSpPr>
+        <p:spPr/>
+        <p:txBody>
+          <a:bodyPr>
+            <a:normAutofit fontScale="55000" lnSpcReduction="20000"/>
+          </a:bodyPr>
+          <a:lstStyle/>
+          <a:p>
+            <a:r>
+              <a:rPr lang="fr-FR" dirty="0"/>
+              <a:t>Présentation interne du </a:t>
+            </a:r>
+            <a:r>
+              <a:rPr lang="fr-FR" dirty="0" err="1"/>
+              <a:t>maxpid</a:t>
+            </a:r>
+            <a:r>
+              <a:rPr lang="fr-FR" dirty="0"/>
+              <a:t> – Composants</a:t>
+            </a:r>
+          </a:p>
+          <a:p>
+            <a:r>
+              <a:rPr lang="fr-FR" dirty="0" smtClean="0"/>
+              <a:t>Moteur à courant continu</a:t>
+            </a:r>
+            <a:endParaRPr lang="fr-FR" dirty="0"/>
+          </a:p>
+          <a:p>
+            <a:endParaRPr lang="fr-FR" dirty="0"/>
+          </a:p>
+        </p:txBody>
+      </p:sp>
+      <p:pic>
+        <p:nvPicPr>
+          <p:cNvPr id="2051" name="Picture 3"/>
+          <p:cNvPicPr>
+            <a:picLocks noChangeAspect="1" noChangeArrowheads="1"/>
+          </p:cNvPicPr>
+          <p:nvPr/>
+        </p:nvPicPr>
+        <p:blipFill>
+          <a:blip r:embed="rId2">
+            <a:extLst>
+              <a:ext uri="{28A0092B-C50C-407E-A947-70E740481C1C}">
+                <a14:useLocalDpi xmlns:a14="http://schemas.microsoft.com/office/drawing/2010/main" val="0"/>
+              </a:ext>
+            </a:extLst>
+          </a:blip>
+          <a:srcRect/>
+          <a:stretch>
+            <a:fillRect/>
+          </a:stretch>
+        </p:blipFill>
+        <p:spPr bwMode="auto">
+          <a:xfrm>
+            <a:off x="323527" y="1196752"/>
+            <a:ext cx="7818011" cy="3456384"/>
+          </a:xfrm>
+          <a:prstGeom prst="rect">
+            <a:avLst/>
+          </a:prstGeom>
+          <a:noFill/>
+          <a:ln>
+            <a:noFill/>
+          </a:ln>
+          <a:extLst>
+            <a:ext uri="{909E8E84-426E-40DD-AFC4-6F175D3DCCD1}">
+              <a14:hiddenFill xmlns:a14="http://schemas.microsoft.com/office/drawing/2010/main">
+                <a:solidFill>
+                  <a:schemeClr val="accent1"/>
+                </a:solidFill>
+              </a14:hiddenFill>
+            </a:ext>
+            <a:ext uri="{91240B29-F687-4F45-9708-019B960494DF}">
+              <a14:hiddenLine xmlns:a14="http://schemas.microsoft.com/office/drawing/2010/main" w="9525">
+                <a:solidFill>
+                  <a:schemeClr val="tx1"/>
+                </a:solidFill>
+                <a:miter lim="800000"/>
+                <a:headEnd/>
+                <a:tailEnd/>
+              </a14:hiddenLine>
+            </a:ext>
+          </a:extLst>
+        </p:spPr>
+      </p:pic>
+    </p:spTree>
+    <p:extLst>
+      <p:ext uri="{BB962C8B-B14F-4D97-AF65-F5344CB8AC3E}">
+        <p14:creationId xmlns:p14="http://schemas.microsoft.com/office/powerpoint/2010/main" val="3947682231"/>
+      </p:ext>
+    </p:extLst>
+  </p:cSld>
+  <p:clrMapOvr>
+    <a:masterClrMapping/>
+  </p:clrMapOvr>
+</p:sld>
+</file>
+
+<file path=ppt/slides/slide19.xml><?xml version="1.0" encoding="utf-8"?>
+<p:sld xmlns:a="http://schemas.openxmlformats.org/drawingml/2006/main" xmlns:r="http://schemas.openxmlformats.org/officeDocument/2006/relationships" xmlns:p="http://schemas.openxmlformats.org/presentationml/2006/main">
+  <p:cSld>
+    <p:spTree>
+      <p:nvGrpSpPr>
+        <p:cNvPr id="1" name=""/>
+        <p:cNvGrpSpPr/>
+        <p:nvPr/>
+      </p:nvGrpSpPr>
+      <p:grpSpPr>
+        <a:xfrm>
+          <a:off x="0" y="0"/>
+          <a:ext cx="0" cy="0"/>
+          <a:chOff x="0" y="0"/>
+          <a:chExt cx="0" cy="0"/>
+        </a:xfrm>
+      </p:grpSpPr>
+      <p:sp>
+        <p:nvSpPr>
+          <p:cNvPr id="2" name="Espace réservé du contenu 1"/>
+          <p:cNvSpPr>
+            <a:spLocks noGrp="1"/>
+          </p:cNvSpPr>
+          <p:nvPr>
+            <p:ph sz="quarter" idx="15"/>
+          </p:nvPr>
+        </p:nvSpPr>
+        <p:spPr/>
+        <p:txBody>
+          <a:bodyPr/>
+          <a:lstStyle/>
+          <a:p>
+            <a:endParaRPr lang="fr-FR" dirty="0"/>
+          </a:p>
+        </p:txBody>
+      </p:sp>
+      <p:sp>
+        <p:nvSpPr>
+          <p:cNvPr id="3" name="Espace réservé du numéro de diapositive 2"/>
+          <p:cNvSpPr>
+            <a:spLocks noGrp="1"/>
+          </p:cNvSpPr>
+          <p:nvPr>
+            <p:ph type="sldNum" sz="quarter" idx="17"/>
+          </p:nvPr>
+        </p:nvSpPr>
+        <p:spPr/>
+        <p:txBody>
+          <a:bodyPr/>
+          <a:lstStyle/>
+          <a:p>
+            <a:fld id="{256D3EEF-DE4E-429D-8EC4-DDC531AFF587}" type="slidenum">
+              <a:rPr lang="fr-FR" smtClean="0"/>
+              <a:pPr/>
+              <a:t>19</a:t>
+            </a:fld>
+            <a:endParaRPr lang="fr-FR" dirty="0"/>
+          </a:p>
+        </p:txBody>
+      </p:sp>
+      <p:sp>
+        <p:nvSpPr>
+          <p:cNvPr id="4" name="Espace réservé du texte 3"/>
+          <p:cNvSpPr>
+            <a:spLocks noGrp="1"/>
+          </p:cNvSpPr>
+          <p:nvPr>
+            <p:ph type="body" sz="quarter" idx="13"/>
+          </p:nvPr>
+        </p:nvSpPr>
+        <p:spPr/>
+        <p:txBody>
+          <a:bodyPr>
+            <a:normAutofit fontScale="55000" lnSpcReduction="20000"/>
+          </a:bodyPr>
+          <a:lstStyle/>
+          <a:p>
+            <a:r>
+              <a:rPr lang="fr-FR" dirty="0"/>
+              <a:t>Présentation interne du </a:t>
+            </a:r>
+            <a:r>
+              <a:rPr lang="fr-FR" dirty="0" err="1"/>
+              <a:t>maxpid</a:t>
+            </a:r>
+            <a:r>
+              <a:rPr lang="fr-FR" dirty="0"/>
+              <a:t> – Composants</a:t>
+            </a:r>
+          </a:p>
+          <a:p>
+            <a:r>
+              <a:rPr lang="fr-FR" dirty="0" smtClean="0"/>
+              <a:t>Génératrice tachymétrique</a:t>
+            </a:r>
+            <a:endParaRPr lang="fr-FR" dirty="0"/>
+          </a:p>
+          <a:p>
+            <a:endParaRPr lang="fr-FR" dirty="0"/>
+          </a:p>
+        </p:txBody>
+      </p:sp>
+      <p:pic>
+        <p:nvPicPr>
+          <p:cNvPr id="2050" name="Picture 2"/>
+          <p:cNvPicPr>
+            <a:picLocks noChangeAspect="1" noChangeArrowheads="1"/>
+          </p:cNvPicPr>
+          <p:nvPr/>
+        </p:nvPicPr>
+        <p:blipFill>
+          <a:blip r:embed="rId2">
+            <a:extLst>
+              <a:ext uri="{28A0092B-C50C-407E-A947-70E740481C1C}">
+                <a14:useLocalDpi xmlns:a14="http://schemas.microsoft.com/office/drawing/2010/main" val="0"/>
+              </a:ext>
+            </a:extLst>
+          </a:blip>
+          <a:srcRect/>
+          <a:stretch>
+            <a:fillRect/>
+          </a:stretch>
+        </p:blipFill>
+        <p:spPr bwMode="auto">
+          <a:xfrm>
+            <a:off x="539552" y="1026289"/>
+            <a:ext cx="7305675" cy="3876675"/>
+          </a:xfrm>
+          <a:prstGeom prst="rect">
+            <a:avLst/>
+          </a:prstGeom>
+          <a:noFill/>
+          <a:ln>
+            <a:noFill/>
+          </a:ln>
+          <a:extLst>
+            <a:ext uri="{909E8E84-426E-40DD-AFC4-6F175D3DCCD1}">
+              <a14:hiddenFill xmlns:a14="http://schemas.microsoft.com/office/drawing/2010/main">
+                <a:solidFill>
+                  <a:schemeClr val="accent1"/>
+                </a:solidFill>
+              </a14:hiddenFill>
+            </a:ext>
+            <a:ext uri="{91240B29-F687-4F45-9708-019B960494DF}">
+              <a14:hiddenLine xmlns:a14="http://schemas.microsoft.com/office/drawing/2010/main" w="9525">
+                <a:solidFill>
+                  <a:schemeClr val="tx1"/>
+                </a:solidFill>
+                <a:miter lim="800000"/>
+                <a:headEnd/>
+                <a:tailEnd/>
+              </a14:hiddenLine>
+            </a:ext>
+          </a:extLst>
+        </p:spPr>
+      </p:pic>
+    </p:spTree>
+    <p:extLst>
+      <p:ext uri="{BB962C8B-B14F-4D97-AF65-F5344CB8AC3E}">
+        <p14:creationId xmlns:p14="http://schemas.microsoft.com/office/powerpoint/2010/main" val="1611078482"/>
+      </p:ext>
+    </p:extLst>
+  </p:cSld>
+  <p:clrMapOvr>
+    <a:masterClrMapping/>
+  </p:clrMapOvr>
+</p:sld>
+</file>
+
+<file path=ppt/slides/slide2.xml><?xml version="1.0" encoding="utf-8"?>
+<p:sld xmlns:a="http://schemas.openxmlformats.org/drawingml/2006/main" xmlns:r="http://schemas.openxmlformats.org/officeDocument/2006/relationships" xmlns:p="http://schemas.openxmlformats.org/presentationml/2006/main">
+  <p:cSld>
+    <p:spTree>
+      <p:nvGrpSpPr>
+        <p:cNvPr id="1" name=""/>
+        <p:cNvGrpSpPr/>
+        <p:nvPr/>
+      </p:nvGrpSpPr>
+      <p:grpSpPr>
+        <a:xfrm>
+          <a:off x="0" y="0"/>
+          <a:ext cx="0" cy="0"/>
+          <a:chOff x="0" y="0"/>
+          <a:chExt cx="0" cy="0"/>
+        </a:xfrm>
+      </p:grpSpPr>
+      <p:sp>
+        <p:nvSpPr>
+          <p:cNvPr id="3" name="Espace réservé du texte 2"/>
+          <p:cNvSpPr>
+            <a:spLocks noGrp="1"/>
+          </p:cNvSpPr>
+          <p:nvPr>
+            <p:ph type="body" sz="quarter" idx="13"/>
+          </p:nvPr>
+        </p:nvSpPr>
+        <p:spPr/>
+        <p:txBody>
+          <a:bodyPr>
+            <a:normAutofit fontScale="92500" lnSpcReduction="10000"/>
+          </a:bodyPr>
+          <a:lstStyle/>
+          <a:p>
+            <a:r>
+              <a:rPr lang="fr-FR" dirty="0" smtClean="0">
+                <a:hlinkClick r:id="rId2" action="ppaction://hlinksldjump"/>
+              </a:rPr>
+              <a:t>Présentation générale du Maxpid</a:t>
+            </a:r>
+            <a:endParaRPr lang="fr-FR" dirty="0">
+              <a:hlinkClick r:id="rId2" action="ppaction://hlinksldjump"/>
+            </a:endParaRPr>
+          </a:p>
+        </p:txBody>
+      </p:sp>
+      <p:sp>
+        <p:nvSpPr>
+          <p:cNvPr id="6" name="Espace réservé du texte 5"/>
+          <p:cNvSpPr>
+            <a:spLocks noGrp="1"/>
+          </p:cNvSpPr>
+          <p:nvPr>
+            <p:ph type="body" sz="quarter" idx="15"/>
+          </p:nvPr>
+        </p:nvSpPr>
+        <p:spPr/>
+        <p:txBody>
+          <a:bodyPr>
+            <a:normAutofit fontScale="92500" lnSpcReduction="10000"/>
+          </a:bodyPr>
+          <a:lstStyle/>
+          <a:p>
+            <a:r>
+              <a:rPr lang="fr-FR" dirty="0">
+                <a:hlinkClick r:id="rId3" action="ppaction://hlinksldjump"/>
+              </a:rPr>
+              <a:t>Mise en œuvre </a:t>
+            </a:r>
+            <a:r>
+              <a:rPr lang="fr-FR" dirty="0" smtClean="0">
+                <a:hlinkClick r:id="rId3" action="ppaction://hlinksldjump"/>
+              </a:rPr>
+              <a:t>du Maxpid</a:t>
+            </a:r>
+            <a:endParaRPr lang="fr-FR" dirty="0">
+              <a:hlinkClick r:id="rId3" action="ppaction://hlinksldjump"/>
+            </a:endParaRPr>
+          </a:p>
+        </p:txBody>
+      </p:sp>
+      <p:sp>
+        <p:nvSpPr>
+          <p:cNvPr id="8" name="Espace réservé du texte 7"/>
+          <p:cNvSpPr>
+            <a:spLocks noGrp="1"/>
+          </p:cNvSpPr>
+          <p:nvPr>
+            <p:ph type="body" sz="quarter" idx="17"/>
+          </p:nvPr>
+        </p:nvSpPr>
+        <p:spPr/>
+        <p:txBody>
+          <a:bodyPr>
+            <a:normAutofit fontScale="92500" lnSpcReduction="10000"/>
+          </a:bodyPr>
+          <a:lstStyle/>
+          <a:p>
+            <a:r>
+              <a:rPr lang="fr-FR" dirty="0">
+                <a:hlinkClick r:id="rId4" action="ppaction://hlinksldjump"/>
+              </a:rPr>
+              <a:t>Présentation externe </a:t>
+            </a:r>
+            <a:r>
+              <a:rPr lang="fr-FR" dirty="0" smtClean="0">
+                <a:hlinkClick r:id="rId4" action="ppaction://hlinksldjump"/>
+              </a:rPr>
+              <a:t>du Maxpid</a:t>
+            </a:r>
+            <a:endParaRPr lang="fr-FR" dirty="0">
+              <a:hlinkClick r:id="rId4" action="ppaction://hlinksldjump"/>
+            </a:endParaRPr>
+          </a:p>
+        </p:txBody>
+      </p:sp>
+      <p:sp>
+        <p:nvSpPr>
+          <p:cNvPr id="10" name="Espace réservé du texte 9"/>
+          <p:cNvSpPr>
+            <a:spLocks noGrp="1"/>
+          </p:cNvSpPr>
+          <p:nvPr>
+            <p:ph type="body" sz="quarter" idx="19"/>
+          </p:nvPr>
+        </p:nvSpPr>
+        <p:spPr/>
+        <p:txBody>
+          <a:bodyPr>
+            <a:normAutofit fontScale="92500" lnSpcReduction="10000"/>
+          </a:bodyPr>
+          <a:lstStyle/>
+          <a:p>
+            <a:r>
+              <a:rPr lang="fr-FR" dirty="0">
+                <a:hlinkClick r:id="rId5" action="ppaction://hlinksldjump"/>
+              </a:rPr>
+              <a:t>Présentation interne </a:t>
+            </a:r>
+            <a:r>
+              <a:rPr lang="fr-FR" dirty="0" smtClean="0">
+                <a:hlinkClick r:id="rId5" action="ppaction://hlinksldjump"/>
+              </a:rPr>
+              <a:t>du Maxpid</a:t>
+            </a:r>
+            <a:endParaRPr lang="fr-FR" dirty="0">
+              <a:hlinkClick r:id="rId5" action="ppaction://hlinksldjump"/>
+            </a:endParaRPr>
+          </a:p>
+        </p:txBody>
+      </p:sp>
+      <p:sp>
+        <p:nvSpPr>
+          <p:cNvPr id="12" name="Espace réservé du texte 11"/>
+          <p:cNvSpPr>
+            <a:spLocks noGrp="1"/>
+          </p:cNvSpPr>
+          <p:nvPr>
+            <p:ph type="body" sz="quarter" idx="21"/>
+          </p:nvPr>
+        </p:nvSpPr>
+        <p:spPr/>
+        <p:txBody>
+          <a:bodyPr>
+            <a:normAutofit fontScale="92500" lnSpcReduction="10000"/>
+          </a:bodyPr>
+          <a:lstStyle/>
+          <a:p>
+            <a:r>
+              <a:rPr lang="fr-FR" dirty="0">
+                <a:hlinkClick r:id="rId6" action="ppaction://hlinksldjump"/>
+              </a:rPr>
+              <a:t>Présentation du logiciel d’acquisition</a:t>
+            </a:r>
+          </a:p>
+        </p:txBody>
+      </p:sp>
+      <p:sp>
+        <p:nvSpPr>
+          <p:cNvPr id="14" name="Espace réservé du texte 13"/>
+          <p:cNvSpPr>
+            <a:spLocks noGrp="1"/>
+          </p:cNvSpPr>
+          <p:nvPr>
+            <p:ph type="body" sz="quarter" idx="23"/>
+          </p:nvPr>
+        </p:nvSpPr>
+        <p:spPr/>
+        <p:txBody>
+          <a:bodyPr>
+            <a:normAutofit fontScale="92500" lnSpcReduction="10000"/>
+          </a:bodyPr>
+          <a:lstStyle/>
+          <a:p>
+            <a:endParaRPr lang="fr-FR"/>
+          </a:p>
+        </p:txBody>
+      </p:sp>
+      <p:sp>
+        <p:nvSpPr>
+          <p:cNvPr id="16" name="Espace réservé du texte 15"/>
+          <p:cNvSpPr>
+            <a:spLocks noGrp="1"/>
+          </p:cNvSpPr>
+          <p:nvPr>
+            <p:ph type="body" sz="quarter" idx="25"/>
+          </p:nvPr>
+        </p:nvSpPr>
+        <p:spPr/>
+        <p:txBody>
+          <a:bodyPr>
+            <a:normAutofit fontScale="92500" lnSpcReduction="10000"/>
+          </a:bodyPr>
+          <a:lstStyle/>
+          <a:p>
+            <a:endParaRPr lang="fr-FR"/>
+          </a:p>
+        </p:txBody>
+      </p:sp>
+      <p:sp>
+        <p:nvSpPr>
+          <p:cNvPr id="18" name="Espace réservé du texte 17"/>
+          <p:cNvSpPr>
+            <a:spLocks noGrp="1"/>
+          </p:cNvSpPr>
+          <p:nvPr>
+            <p:ph type="body" sz="quarter" idx="27"/>
+          </p:nvPr>
+        </p:nvSpPr>
+        <p:spPr/>
+        <p:txBody>
+          <a:bodyPr>
+            <a:normAutofit fontScale="92500" lnSpcReduction="10000"/>
+          </a:bodyPr>
+          <a:lstStyle/>
+          <a:p>
+            <a:endParaRPr lang="fr-FR"/>
+          </a:p>
+        </p:txBody>
+      </p:sp>
+      <p:sp>
+        <p:nvSpPr>
+          <p:cNvPr id="20" name="Espace réservé du texte 19"/>
+          <p:cNvSpPr>
+            <a:spLocks noGrp="1"/>
+          </p:cNvSpPr>
+          <p:nvPr>
+            <p:ph type="body" sz="quarter" idx="29"/>
+          </p:nvPr>
+        </p:nvSpPr>
+        <p:spPr/>
+        <p:txBody>
+          <a:bodyPr>
+            <a:normAutofit fontScale="92500" lnSpcReduction="10000"/>
+          </a:bodyPr>
+          <a:lstStyle/>
+          <a:p>
+            <a:endParaRPr lang="fr-FR"/>
+          </a:p>
+        </p:txBody>
+      </p:sp>
+      <p:sp>
+        <p:nvSpPr>
+          <p:cNvPr id="22" name="Espace réservé du texte 21"/>
+          <p:cNvSpPr>
+            <a:spLocks noGrp="1"/>
+          </p:cNvSpPr>
+          <p:nvPr>
+            <p:ph type="body" sz="quarter" idx="31"/>
+          </p:nvPr>
+        </p:nvSpPr>
+        <p:spPr/>
+        <p:txBody>
+          <a:bodyPr>
+            <a:normAutofit fontScale="92500" lnSpcReduction="10000"/>
+          </a:bodyPr>
+          <a:lstStyle/>
+          <a:p>
+            <a:endParaRPr lang="fr-FR"/>
+          </a:p>
+        </p:txBody>
+      </p:sp>
+      <p:sp>
+        <p:nvSpPr>
+          <p:cNvPr id="24" name="Espace réservé du texte 23"/>
+          <p:cNvSpPr>
+            <a:spLocks noGrp="1"/>
+          </p:cNvSpPr>
+          <p:nvPr>
+            <p:ph type="body" sz="quarter" idx="33"/>
+          </p:nvPr>
+        </p:nvSpPr>
+        <p:spPr/>
+        <p:txBody>
+          <a:bodyPr>
+            <a:normAutofit fontScale="92500" lnSpcReduction="10000"/>
+          </a:bodyPr>
+          <a:lstStyle/>
+          <a:p>
+            <a:endParaRPr lang="fr-FR"/>
+          </a:p>
+        </p:txBody>
+      </p:sp>
+      <p:sp>
+        <p:nvSpPr>
+          <p:cNvPr id="26" name="Espace réservé du texte 25"/>
+          <p:cNvSpPr>
+            <a:spLocks noGrp="1"/>
+          </p:cNvSpPr>
+          <p:nvPr>
+            <p:ph type="body" sz="quarter" idx="35"/>
+          </p:nvPr>
+        </p:nvSpPr>
+        <p:spPr/>
+        <p:txBody>
+          <a:bodyPr>
+            <a:normAutofit fontScale="92500" lnSpcReduction="10000"/>
+          </a:bodyPr>
+          <a:lstStyle/>
+          <a:p>
+            <a:endParaRPr lang="fr-FR"/>
+          </a:p>
+        </p:txBody>
+      </p:sp>
+      <p:sp>
+        <p:nvSpPr>
+          <p:cNvPr id="5" name="Espace réservé du texte 4"/>
+          <p:cNvSpPr>
+            <a:spLocks noGrp="1"/>
+          </p:cNvSpPr>
+          <p:nvPr>
+            <p:ph type="body" sz="quarter" idx="14"/>
+          </p:nvPr>
+        </p:nvSpPr>
+        <p:spPr/>
+        <p:txBody>
+          <a:bodyPr>
+            <a:normAutofit fontScale="92500" lnSpcReduction="10000"/>
+          </a:bodyPr>
+          <a:lstStyle/>
+          <a:p>
+            <a:endParaRPr lang="fr-FR" dirty="0"/>
+          </a:p>
+        </p:txBody>
+      </p:sp>
+      <p:sp>
+        <p:nvSpPr>
+          <p:cNvPr id="7" name="Espace réservé du texte 6"/>
+          <p:cNvSpPr>
+            <a:spLocks noGrp="1"/>
+          </p:cNvSpPr>
+          <p:nvPr>
+            <p:ph type="body" sz="quarter" idx="16"/>
+          </p:nvPr>
+        </p:nvSpPr>
+        <p:spPr/>
+        <p:txBody>
+          <a:bodyPr>
+            <a:normAutofit fontScale="92500" lnSpcReduction="10000"/>
+          </a:bodyPr>
+          <a:lstStyle/>
+          <a:p>
+            <a:endParaRPr lang="fr-FR"/>
+          </a:p>
+        </p:txBody>
+      </p:sp>
+      <p:sp>
+        <p:nvSpPr>
+          <p:cNvPr id="9" name="Espace réservé du texte 8"/>
+          <p:cNvSpPr>
+            <a:spLocks noGrp="1"/>
+          </p:cNvSpPr>
+          <p:nvPr>
+            <p:ph type="body" sz="quarter" idx="18"/>
+          </p:nvPr>
+        </p:nvSpPr>
+        <p:spPr/>
+        <p:txBody>
+          <a:bodyPr>
+            <a:normAutofit fontScale="92500" lnSpcReduction="10000"/>
+          </a:bodyPr>
+          <a:lstStyle/>
+          <a:p>
+            <a:endParaRPr lang="fr-FR"/>
+          </a:p>
+        </p:txBody>
+      </p:sp>
+      <p:sp>
+        <p:nvSpPr>
+          <p:cNvPr id="11" name="Espace réservé du texte 10"/>
+          <p:cNvSpPr>
+            <a:spLocks noGrp="1"/>
+          </p:cNvSpPr>
+          <p:nvPr>
+            <p:ph type="body" sz="quarter" idx="20"/>
+          </p:nvPr>
+        </p:nvSpPr>
+        <p:spPr/>
+        <p:txBody>
+          <a:bodyPr>
+            <a:normAutofit fontScale="92500" lnSpcReduction="10000"/>
+          </a:bodyPr>
+          <a:lstStyle/>
+          <a:p>
+            <a:endParaRPr lang="fr-FR"/>
+          </a:p>
+        </p:txBody>
+      </p:sp>
+      <p:sp>
+        <p:nvSpPr>
+          <p:cNvPr id="13" name="Espace réservé du texte 12"/>
+          <p:cNvSpPr>
+            <a:spLocks noGrp="1"/>
+          </p:cNvSpPr>
+          <p:nvPr>
+            <p:ph type="body" sz="quarter" idx="22"/>
+          </p:nvPr>
+        </p:nvSpPr>
+        <p:spPr/>
+        <p:txBody>
+          <a:bodyPr>
+            <a:normAutofit fontScale="92500" lnSpcReduction="10000"/>
+          </a:bodyPr>
+          <a:lstStyle/>
+          <a:p>
+            <a:endParaRPr lang="fr-FR"/>
+          </a:p>
+        </p:txBody>
+      </p:sp>
+      <p:sp>
+        <p:nvSpPr>
+          <p:cNvPr id="15" name="Espace réservé du texte 14"/>
+          <p:cNvSpPr>
+            <a:spLocks noGrp="1"/>
+          </p:cNvSpPr>
+          <p:nvPr>
+            <p:ph type="body" sz="quarter" idx="24"/>
+          </p:nvPr>
+        </p:nvSpPr>
+        <p:spPr/>
+        <p:txBody>
+          <a:bodyPr>
+            <a:normAutofit fontScale="92500" lnSpcReduction="10000"/>
+          </a:bodyPr>
+          <a:lstStyle/>
+          <a:p>
+            <a:endParaRPr lang="fr-FR"/>
+          </a:p>
+        </p:txBody>
+      </p:sp>
+      <p:sp>
+        <p:nvSpPr>
+          <p:cNvPr id="17" name="Espace réservé du texte 16"/>
+          <p:cNvSpPr>
+            <a:spLocks noGrp="1"/>
+          </p:cNvSpPr>
+          <p:nvPr>
+            <p:ph type="body" sz="quarter" idx="26"/>
+          </p:nvPr>
+        </p:nvSpPr>
+        <p:spPr/>
+        <p:txBody>
+          <a:bodyPr>
+            <a:normAutofit fontScale="92500" lnSpcReduction="10000"/>
+          </a:bodyPr>
+          <a:lstStyle/>
+          <a:p>
+            <a:endParaRPr lang="fr-FR"/>
+          </a:p>
+        </p:txBody>
+      </p:sp>
+      <p:sp>
+        <p:nvSpPr>
+          <p:cNvPr id="19" name="Espace réservé du texte 18"/>
+          <p:cNvSpPr>
+            <a:spLocks noGrp="1"/>
+          </p:cNvSpPr>
+          <p:nvPr>
+            <p:ph type="body" sz="quarter" idx="28"/>
+          </p:nvPr>
+        </p:nvSpPr>
+        <p:spPr/>
+        <p:txBody>
+          <a:bodyPr>
+            <a:normAutofit fontScale="92500" lnSpcReduction="10000"/>
+          </a:bodyPr>
+          <a:lstStyle/>
+          <a:p>
+            <a:endParaRPr lang="fr-FR"/>
+          </a:p>
+        </p:txBody>
+      </p:sp>
+      <p:sp>
+        <p:nvSpPr>
+          <p:cNvPr id="21" name="Espace réservé du texte 20"/>
+          <p:cNvSpPr>
+            <a:spLocks noGrp="1"/>
+          </p:cNvSpPr>
+          <p:nvPr>
+            <p:ph type="body" sz="quarter" idx="30"/>
+          </p:nvPr>
+        </p:nvSpPr>
+        <p:spPr/>
+        <p:txBody>
+          <a:bodyPr>
+            <a:normAutofit fontScale="92500" lnSpcReduction="10000"/>
+          </a:bodyPr>
+          <a:lstStyle/>
+          <a:p>
+            <a:endParaRPr lang="fr-FR"/>
+          </a:p>
+        </p:txBody>
+      </p:sp>
+      <p:sp>
+        <p:nvSpPr>
+          <p:cNvPr id="23" name="Espace réservé du texte 22"/>
+          <p:cNvSpPr>
+            <a:spLocks noGrp="1"/>
+          </p:cNvSpPr>
+          <p:nvPr>
+            <p:ph type="body" sz="quarter" idx="32"/>
+          </p:nvPr>
+        </p:nvSpPr>
+        <p:spPr/>
+        <p:txBody>
+          <a:bodyPr>
+            <a:normAutofit fontScale="92500" lnSpcReduction="10000"/>
+          </a:bodyPr>
+          <a:lstStyle/>
+          <a:p>
+            <a:endParaRPr lang="fr-FR"/>
+          </a:p>
+        </p:txBody>
+      </p:sp>
+      <p:sp>
+        <p:nvSpPr>
+          <p:cNvPr id="25" name="Espace réservé du texte 24"/>
+          <p:cNvSpPr>
+            <a:spLocks noGrp="1"/>
+          </p:cNvSpPr>
+          <p:nvPr>
+            <p:ph type="body" sz="quarter" idx="34"/>
+          </p:nvPr>
+        </p:nvSpPr>
+        <p:spPr/>
+        <p:txBody>
+          <a:bodyPr>
+            <a:normAutofit fontScale="92500" lnSpcReduction="10000"/>
+          </a:bodyPr>
+          <a:lstStyle/>
+          <a:p>
+            <a:endParaRPr lang="fr-FR"/>
+          </a:p>
+        </p:txBody>
+      </p:sp>
+      <p:sp>
+        <p:nvSpPr>
+          <p:cNvPr id="27" name="Espace réservé du texte 26"/>
+          <p:cNvSpPr>
+            <a:spLocks noGrp="1"/>
+          </p:cNvSpPr>
+          <p:nvPr>
+            <p:ph type="body" sz="quarter" idx="36"/>
+          </p:nvPr>
+        </p:nvSpPr>
+        <p:spPr/>
+        <p:txBody>
+          <a:bodyPr>
+            <a:normAutofit fontScale="92500" lnSpcReduction="10000"/>
+          </a:bodyPr>
+          <a:lstStyle/>
+          <a:p>
+            <a:endParaRPr lang="fr-FR"/>
+          </a:p>
+        </p:txBody>
+      </p:sp>
+      <p:sp>
+        <p:nvSpPr>
+          <p:cNvPr id="28" name="Espace réservé du texte 27"/>
+          <p:cNvSpPr>
+            <a:spLocks noGrp="1"/>
+          </p:cNvSpPr>
+          <p:nvPr>
+            <p:ph type="body" sz="quarter" idx="37"/>
+          </p:nvPr>
+        </p:nvSpPr>
+        <p:spPr/>
+        <p:txBody>
+          <a:bodyPr/>
+          <a:lstStyle/>
+          <a:p>
+            <a:endParaRPr lang="fr-FR"/>
+          </a:p>
+        </p:txBody>
+      </p:sp>
+      <p:sp>
+        <p:nvSpPr>
+          <p:cNvPr id="29" name="Espace réservé du texte 28"/>
+          <p:cNvSpPr>
+            <a:spLocks noGrp="1"/>
+          </p:cNvSpPr>
+          <p:nvPr>
+            <p:ph type="body" sz="quarter" idx="38"/>
+          </p:nvPr>
+        </p:nvSpPr>
+        <p:spPr/>
+        <p:txBody>
+          <a:bodyPr>
+            <a:normAutofit fontScale="92500" lnSpcReduction="10000"/>
+          </a:bodyPr>
+          <a:lstStyle/>
+          <a:p>
+            <a:endParaRPr lang="fr-FR"/>
+          </a:p>
+        </p:txBody>
+      </p:sp>
+      <p:sp>
+        <p:nvSpPr>
+          <p:cNvPr id="2" name="Espace réservé du numéro de diapositive 1"/>
+          <p:cNvSpPr>
+            <a:spLocks noGrp="1"/>
+          </p:cNvSpPr>
+          <p:nvPr>
+            <p:ph type="sldNum" sz="quarter" idx="40"/>
+          </p:nvPr>
+        </p:nvSpPr>
+        <p:spPr/>
+        <p:txBody>
+          <a:bodyPr/>
+          <a:lstStyle/>
+          <a:p>
+            <a:pPr algn="r"/>
+            <a:fld id="{256D3EEF-DE4E-429D-8EC4-DDC531AFF587}" type="slidenum">
+              <a:rPr kumimoji="0" lang="fr-FR" sz="1000" smtClean="0"/>
+              <a:pPr algn="r"/>
+              <a:t>2</a:t>
+            </a:fld>
+            <a:endParaRPr kumimoji="0" lang="fr-FR"/>
+          </a:p>
+        </p:txBody>
+      </p:sp>
+      <p:sp>
+        <p:nvSpPr>
+          <p:cNvPr id="4" name="Titre 3"/>
+          <p:cNvSpPr>
+            <a:spLocks noGrp="1"/>
+          </p:cNvSpPr>
+          <p:nvPr>
+            <p:ph type="ctrTitle" idx="4294967295"/>
+          </p:nvPr>
+        </p:nvSpPr>
+        <p:spPr>
+          <a:xfrm>
+            <a:off x="0" y="4114800"/>
+            <a:ext cx="7239000" cy="533400"/>
+          </a:xfrm>
+          <a:prstGeom prst="rect">
+            <a:avLst/>
+          </a:prstGeom>
+        </p:spPr>
+        <p:txBody>
+          <a:bodyPr/>
+          <a:lstStyle/>
+          <a:p>
+            <a:r>
+              <a:rPr dirty="0" smtClean="0"/>
+              <a:t>Plan</a:t>
+            </a:r>
+            <a:endParaRPr lang="fr-FR" dirty="0"/>
+          </a:p>
+        </p:txBody>
+      </p:sp>
+      <p:sp>
+        <p:nvSpPr>
+          <p:cNvPr id="30" name="ZoneTexte 29">
+            <a:hlinkClick r:id="rId7" action="ppaction://hlinksldjump"/>
+          </p:cNvPr>
+          <p:cNvSpPr txBox="1"/>
+          <p:nvPr/>
+        </p:nvSpPr>
+        <p:spPr>
+          <a:xfrm>
+            <a:off x="107504" y="6525344"/>
+            <a:ext cx="8136904" cy="307777"/>
+          </a:xfrm>
+          <a:prstGeom prst="rect">
+            <a:avLst/>
+          </a:prstGeom>
+          <a:noFill/>
+        </p:spPr>
+        <p:txBody>
+          <a:bodyPr wrap="square" rtlCol="0">
+            <a:spAutoFit/>
+          </a:bodyPr>
+          <a:lstStyle/>
+          <a:p>
+            <a:pPr algn="r"/>
+            <a:r>
+              <a:rPr lang="fr-FR" sz="1400" i="1" dirty="0" smtClean="0">
+                <a:solidFill>
+                  <a:schemeClr val="bg1">
+                    <a:lumMod val="50000"/>
+                  </a:schemeClr>
+                </a:solidFill>
+              </a:rPr>
+              <a:t>Retour vers le menu</a:t>
+            </a:r>
+            <a:endParaRPr lang="fr-FR" sz="1400" i="1" dirty="0">
+              <a:solidFill>
+                <a:schemeClr val="bg1">
+                  <a:lumMod val="50000"/>
+                </a:schemeClr>
+              </a:solidFill>
+            </a:endParaRPr>
+          </a:p>
+        </p:txBody>
+      </p:sp>
+    </p:spTree>
+  </p:cSld>
+  <p:clrMapOvr>
+    <a:masterClrMapping/>
+  </p:clrMapOvr>
+  <p:timing>
+    <p:tnLst>
+      <p:par>
+        <p:cTn id="1" dur="indefinite" restart="never" nodeType="tmRoot"/>
+      </p:par>
+    </p:tnLst>
+  </p:timing>
+</p:sld>
+</file>
+
+<file path=ppt/slides/slide20.xml><?xml version="1.0" encoding="utf-8"?>
+<p:sld xmlns:a="http://schemas.openxmlformats.org/drawingml/2006/main" xmlns:r="http://schemas.openxmlformats.org/officeDocument/2006/relationships" xmlns:p="http://schemas.openxmlformats.org/presentationml/2006/main">
+  <p:cSld>
+    <p:spTree>
+      <p:nvGrpSpPr>
+        <p:cNvPr id="1" name=""/>
+        <p:cNvGrpSpPr/>
+        <p:nvPr/>
+      </p:nvGrpSpPr>
+      <p:grpSpPr>
+        <a:xfrm>
+          <a:off x="0" y="0"/>
+          <a:ext cx="0" cy="0"/>
+          <a:chOff x="0" y="0"/>
+          <a:chExt cx="0" cy="0"/>
+        </a:xfrm>
+      </p:grpSpPr>
+      <p:sp>
+        <p:nvSpPr>
+          <p:cNvPr id="2" name="Espace réservé du contenu 1"/>
+          <p:cNvSpPr>
+            <a:spLocks noGrp="1"/>
+          </p:cNvSpPr>
+          <p:nvPr>
+            <p:ph sz="quarter" idx="15"/>
+          </p:nvPr>
+        </p:nvSpPr>
+        <p:spPr/>
+        <p:txBody>
+          <a:bodyPr/>
+          <a:lstStyle/>
+          <a:p>
+            <a:endParaRPr lang="fr-FR" dirty="0"/>
+          </a:p>
+        </p:txBody>
+      </p:sp>
+      <p:sp>
+        <p:nvSpPr>
+          <p:cNvPr id="3" name="Espace réservé du numéro de diapositive 2"/>
+          <p:cNvSpPr>
+            <a:spLocks noGrp="1"/>
+          </p:cNvSpPr>
+          <p:nvPr>
+            <p:ph type="sldNum" sz="quarter" idx="17"/>
+          </p:nvPr>
+        </p:nvSpPr>
+        <p:spPr/>
+        <p:txBody>
+          <a:bodyPr/>
+          <a:lstStyle/>
+          <a:p>
+            <a:fld id="{256D3EEF-DE4E-429D-8EC4-DDC531AFF587}" type="slidenum">
+              <a:rPr lang="fr-FR" smtClean="0"/>
+              <a:pPr/>
+              <a:t>20</a:t>
+            </a:fld>
+            <a:endParaRPr lang="fr-FR" dirty="0"/>
+          </a:p>
+        </p:txBody>
+      </p:sp>
+      <p:sp>
+        <p:nvSpPr>
+          <p:cNvPr id="4" name="Espace réservé du texte 3"/>
+          <p:cNvSpPr>
+            <a:spLocks noGrp="1"/>
+          </p:cNvSpPr>
+          <p:nvPr>
+            <p:ph type="body" sz="quarter" idx="13"/>
+          </p:nvPr>
+        </p:nvSpPr>
+        <p:spPr/>
+        <p:txBody>
+          <a:bodyPr>
+            <a:normAutofit fontScale="55000" lnSpcReduction="20000"/>
+          </a:bodyPr>
+          <a:lstStyle/>
+          <a:p>
+            <a:r>
+              <a:rPr lang="fr-FR" dirty="0"/>
+              <a:t>Présentation interne du </a:t>
+            </a:r>
+            <a:r>
+              <a:rPr lang="fr-FR" dirty="0" err="1"/>
+              <a:t>maxpid</a:t>
+            </a:r>
+            <a:r>
+              <a:rPr lang="fr-FR" dirty="0"/>
+              <a:t> – Composants</a:t>
+            </a:r>
+          </a:p>
+          <a:p>
+            <a:r>
+              <a:rPr lang="fr-FR" dirty="0" smtClean="0"/>
+              <a:t>Potentiomètre rotatif</a:t>
+            </a:r>
+            <a:endParaRPr lang="fr-FR" dirty="0"/>
+          </a:p>
+          <a:p>
+            <a:endParaRPr lang="fr-FR" dirty="0"/>
+          </a:p>
+        </p:txBody>
+      </p:sp>
+      <p:pic>
+        <p:nvPicPr>
+          <p:cNvPr id="3074" name="Picture 2"/>
+          <p:cNvPicPr>
+            <a:picLocks noChangeAspect="1" noChangeArrowheads="1"/>
+          </p:cNvPicPr>
+          <p:nvPr/>
+        </p:nvPicPr>
+        <p:blipFill>
+          <a:blip r:embed="rId2">
+            <a:extLst>
+              <a:ext uri="{28A0092B-C50C-407E-A947-70E740481C1C}">
+                <a14:useLocalDpi xmlns:a14="http://schemas.microsoft.com/office/drawing/2010/main" val="0"/>
+              </a:ext>
+            </a:extLst>
+          </a:blip>
+          <a:srcRect/>
+          <a:stretch>
+            <a:fillRect/>
+          </a:stretch>
+        </p:blipFill>
+        <p:spPr bwMode="auto">
+          <a:xfrm>
+            <a:off x="251520" y="1196753"/>
+            <a:ext cx="3744416" cy="4659244"/>
+          </a:xfrm>
+          <a:prstGeom prst="rect">
+            <a:avLst/>
+          </a:prstGeom>
+          <a:noFill/>
+          <a:ln>
+            <a:noFill/>
+          </a:ln>
+          <a:extLst>
+            <a:ext uri="{909E8E84-426E-40DD-AFC4-6F175D3DCCD1}">
+              <a14:hiddenFill xmlns:a14="http://schemas.microsoft.com/office/drawing/2010/main">
+                <a:solidFill>
+                  <a:schemeClr val="accent1"/>
+                </a:solidFill>
+              </a14:hiddenFill>
+            </a:ext>
+            <a:ext uri="{91240B29-F687-4F45-9708-019B960494DF}">
+              <a14:hiddenLine xmlns:a14="http://schemas.microsoft.com/office/drawing/2010/main" w="9525">
+                <a:solidFill>
+                  <a:schemeClr val="tx1"/>
+                </a:solidFill>
+                <a:miter lim="800000"/>
+                <a:headEnd/>
+                <a:tailEnd/>
+              </a14:hiddenLine>
+            </a:ext>
+          </a:extLst>
+        </p:spPr>
+      </p:pic>
+      <p:pic>
+        <p:nvPicPr>
+          <p:cNvPr id="3075" name="Picture 3"/>
+          <p:cNvPicPr>
+            <a:picLocks noChangeAspect="1" noChangeArrowheads="1"/>
+          </p:cNvPicPr>
+          <p:nvPr/>
+        </p:nvPicPr>
+        <p:blipFill>
+          <a:blip r:embed="rId3">
+            <a:extLst>
+              <a:ext uri="{28A0092B-C50C-407E-A947-70E740481C1C}">
+                <a14:useLocalDpi xmlns:a14="http://schemas.microsoft.com/office/drawing/2010/main" val="0"/>
+              </a:ext>
+            </a:extLst>
+          </a:blip>
+          <a:srcRect/>
+          <a:stretch>
+            <a:fillRect/>
+          </a:stretch>
+        </p:blipFill>
+        <p:spPr bwMode="auto">
+          <a:xfrm>
+            <a:off x="4233989" y="1290366"/>
+            <a:ext cx="3778219" cy="4608513"/>
+          </a:xfrm>
+          <a:prstGeom prst="rect">
+            <a:avLst/>
+          </a:prstGeom>
+          <a:noFill/>
+          <a:ln>
+            <a:noFill/>
+          </a:ln>
+          <a:extLst>
+            <a:ext uri="{909E8E84-426E-40DD-AFC4-6F175D3DCCD1}">
+              <a14:hiddenFill xmlns:a14="http://schemas.microsoft.com/office/drawing/2010/main">
+                <a:solidFill>
+                  <a:schemeClr val="accent1"/>
+                </a:solidFill>
+              </a14:hiddenFill>
+            </a:ext>
+            <a:ext uri="{91240B29-F687-4F45-9708-019B960494DF}">
+              <a14:hiddenLine xmlns:a14="http://schemas.microsoft.com/office/drawing/2010/main" w="9525">
+                <a:solidFill>
+                  <a:schemeClr val="tx1"/>
+                </a:solidFill>
+                <a:miter lim="800000"/>
+                <a:headEnd/>
+                <a:tailEnd/>
+              </a14:hiddenLine>
+            </a:ext>
+          </a:extLst>
+        </p:spPr>
+      </p:pic>
+    </p:spTree>
+    <p:extLst>
+      <p:ext uri="{BB962C8B-B14F-4D97-AF65-F5344CB8AC3E}">
+        <p14:creationId xmlns:p14="http://schemas.microsoft.com/office/powerpoint/2010/main" val="1990260827"/>
+      </p:ext>
+    </p:extLst>
+  </p:cSld>
+  <p:clrMapOvr>
+    <a:masterClrMapping/>
+  </p:clrMapOvr>
+</p:sld>
+</file>
+
+<file path=ppt/slides/slide21.xml><?xml version="1.0" encoding="utf-8"?>
+<p:sld xmlns:a="http://schemas.openxmlformats.org/drawingml/2006/main" xmlns:r="http://schemas.openxmlformats.org/officeDocument/2006/relationships" xmlns:p="http://schemas.openxmlformats.org/presentationml/2006/main">
+  <p:cSld>
+    <p:spTree>
+      <p:nvGrpSpPr>
+        <p:cNvPr id="1" name=""/>
+        <p:cNvGrpSpPr/>
+        <p:nvPr/>
+      </p:nvGrpSpPr>
+      <p:grpSpPr>
+        <a:xfrm>
+          <a:off x="0" y="0"/>
+          <a:ext cx="0" cy="0"/>
+          <a:chOff x="0" y="0"/>
+          <a:chExt cx="0" cy="0"/>
+        </a:xfrm>
+      </p:grpSpPr>
+      <p:sp>
+        <p:nvSpPr>
+          <p:cNvPr id="2" name="Espace réservé du contenu 1"/>
+          <p:cNvSpPr>
+            <a:spLocks noGrp="1"/>
+          </p:cNvSpPr>
+          <p:nvPr>
+            <p:ph sz="quarter" idx="15"/>
+          </p:nvPr>
+        </p:nvSpPr>
+        <p:spPr/>
+        <p:txBody>
+          <a:bodyPr/>
+          <a:lstStyle/>
+          <a:p>
+            <a:endParaRPr lang="fr-FR" dirty="0"/>
+          </a:p>
+        </p:txBody>
+      </p:sp>
+      <p:sp>
+        <p:nvSpPr>
+          <p:cNvPr id="3" name="Espace réservé du numéro de diapositive 2"/>
+          <p:cNvSpPr>
+            <a:spLocks noGrp="1"/>
+          </p:cNvSpPr>
+          <p:nvPr>
+            <p:ph type="sldNum" sz="quarter" idx="17"/>
+          </p:nvPr>
+        </p:nvSpPr>
+        <p:spPr/>
+        <p:txBody>
+          <a:bodyPr/>
+          <a:lstStyle/>
+          <a:p>
+            <a:fld id="{256D3EEF-DE4E-429D-8EC4-DDC531AFF587}" type="slidenum">
+              <a:rPr lang="fr-FR" smtClean="0"/>
+              <a:pPr/>
+              <a:t>21</a:t>
+            </a:fld>
+            <a:endParaRPr lang="fr-FR" dirty="0"/>
+          </a:p>
+        </p:txBody>
+      </p:sp>
+      <p:sp>
+        <p:nvSpPr>
+          <p:cNvPr id="4" name="Espace réservé du texte 3"/>
+          <p:cNvSpPr>
+            <a:spLocks noGrp="1"/>
+          </p:cNvSpPr>
+          <p:nvPr>
+            <p:ph type="body" sz="quarter" idx="13"/>
+          </p:nvPr>
+        </p:nvSpPr>
+        <p:spPr/>
+        <p:txBody>
+          <a:bodyPr>
+            <a:normAutofit fontScale="55000" lnSpcReduction="20000"/>
+          </a:bodyPr>
+          <a:lstStyle/>
+          <a:p>
+            <a:r>
+              <a:rPr lang="fr-FR" dirty="0"/>
+              <a:t>Présentation interne du </a:t>
+            </a:r>
+            <a:r>
+              <a:rPr lang="fr-FR" dirty="0" err="1"/>
+              <a:t>maxpid</a:t>
+            </a:r>
+            <a:r>
+              <a:rPr lang="fr-FR" dirty="0"/>
+              <a:t> – Composants</a:t>
+            </a:r>
+          </a:p>
+          <a:p>
+            <a:r>
+              <a:rPr lang="fr-FR" dirty="0" smtClean="0"/>
+              <a:t>Vis à billes</a:t>
+            </a:r>
+            <a:endParaRPr lang="fr-FR" dirty="0"/>
+          </a:p>
+          <a:p>
+            <a:endParaRPr lang="fr-FR" dirty="0"/>
+          </a:p>
+        </p:txBody>
+      </p:sp>
+      <p:pic>
+        <p:nvPicPr>
+          <p:cNvPr id="4098" name="Picture 2"/>
+          <p:cNvPicPr>
+            <a:picLocks noChangeAspect="1" noChangeArrowheads="1"/>
+          </p:cNvPicPr>
+          <p:nvPr/>
+        </p:nvPicPr>
+        <p:blipFill>
+          <a:blip r:embed="rId2">
+            <a:extLst>
+              <a:ext uri="{28A0092B-C50C-407E-A947-70E740481C1C}">
+                <a14:useLocalDpi xmlns:a14="http://schemas.microsoft.com/office/drawing/2010/main" val="0"/>
+              </a:ext>
+            </a:extLst>
+          </a:blip>
+          <a:srcRect/>
+          <a:stretch>
+            <a:fillRect/>
+          </a:stretch>
+        </p:blipFill>
+        <p:spPr bwMode="auto">
+          <a:xfrm>
+            <a:off x="291885" y="3068960"/>
+            <a:ext cx="2856065" cy="3456384"/>
+          </a:xfrm>
+          <a:prstGeom prst="rect">
+            <a:avLst/>
+          </a:prstGeom>
+          <a:noFill/>
+          <a:ln>
+            <a:noFill/>
+          </a:ln>
+          <a:extLst>
+            <a:ext uri="{909E8E84-426E-40DD-AFC4-6F175D3DCCD1}">
+              <a14:hiddenFill xmlns:a14="http://schemas.microsoft.com/office/drawing/2010/main">
+                <a:solidFill>
+                  <a:schemeClr val="accent1"/>
+                </a:solidFill>
+              </a14:hiddenFill>
+            </a:ext>
+            <a:ext uri="{91240B29-F687-4F45-9708-019B960494DF}">
+              <a14:hiddenLine xmlns:a14="http://schemas.microsoft.com/office/drawing/2010/main" w="9525">
+                <a:solidFill>
+                  <a:schemeClr val="tx1"/>
+                </a:solidFill>
+                <a:miter lim="800000"/>
+                <a:headEnd/>
+                <a:tailEnd/>
+              </a14:hiddenLine>
+            </a:ext>
+          </a:extLst>
+        </p:spPr>
+      </p:pic>
+      <p:pic>
+        <p:nvPicPr>
+          <p:cNvPr id="4099" name="Picture 3"/>
+          <p:cNvPicPr>
+            <a:picLocks noChangeAspect="1" noChangeArrowheads="1"/>
+          </p:cNvPicPr>
+          <p:nvPr/>
+        </p:nvPicPr>
+        <p:blipFill>
+          <a:blip r:embed="rId3">
+            <a:extLst>
+              <a:ext uri="{28A0092B-C50C-407E-A947-70E740481C1C}">
+                <a14:useLocalDpi xmlns:a14="http://schemas.microsoft.com/office/drawing/2010/main" val="0"/>
+              </a:ext>
+            </a:extLst>
+          </a:blip>
+          <a:srcRect/>
+          <a:stretch>
+            <a:fillRect/>
+          </a:stretch>
+        </p:blipFill>
+        <p:spPr bwMode="auto">
+          <a:xfrm>
+            <a:off x="1908751" y="1052736"/>
+            <a:ext cx="6163885" cy="2592288"/>
+          </a:xfrm>
+          <a:prstGeom prst="rect">
+            <a:avLst/>
+          </a:prstGeom>
+          <a:noFill/>
+          <a:ln>
+            <a:noFill/>
+          </a:ln>
+          <a:extLst>
+            <a:ext uri="{909E8E84-426E-40DD-AFC4-6F175D3DCCD1}">
+              <a14:hiddenFill xmlns:a14="http://schemas.microsoft.com/office/drawing/2010/main">
+                <a:solidFill>
+                  <a:schemeClr val="accent1"/>
+                </a:solidFill>
+              </a14:hiddenFill>
+            </a:ext>
+            <a:ext uri="{91240B29-F687-4F45-9708-019B960494DF}">
+              <a14:hiddenLine xmlns:a14="http://schemas.microsoft.com/office/drawing/2010/main" w="9525">
+                <a:solidFill>
+                  <a:schemeClr val="tx1"/>
+                </a:solidFill>
+                <a:miter lim="800000"/>
+                <a:headEnd/>
+                <a:tailEnd/>
+              </a14:hiddenLine>
+            </a:ext>
+          </a:extLst>
+        </p:spPr>
+      </p:pic>
+      <p:pic>
+        <p:nvPicPr>
+          <p:cNvPr id="4100" name="Picture 4"/>
+          <p:cNvPicPr>
+            <a:picLocks noChangeAspect="1" noChangeArrowheads="1"/>
+          </p:cNvPicPr>
+          <p:nvPr/>
+        </p:nvPicPr>
+        <p:blipFill rotWithShape="1">
+          <a:blip r:embed="rId4">
+            <a:extLst>
+              <a:ext uri="{28A0092B-C50C-407E-A947-70E740481C1C}">
+                <a14:useLocalDpi xmlns:a14="http://schemas.microsoft.com/office/drawing/2010/main" val="0"/>
+              </a:ext>
+            </a:extLst>
+          </a:blip>
+          <a:srcRect l="8007" t="30393"/>
+          <a:stretch/>
+        </p:blipFill>
+        <p:spPr bwMode="auto">
+          <a:xfrm>
+            <a:off x="3167563" y="4509120"/>
+            <a:ext cx="5721816" cy="1796745"/>
+          </a:xfrm>
+          <a:prstGeom prst="rect">
+            <a:avLst/>
+          </a:prstGeom>
+          <a:noFill/>
+          <a:ln>
+            <a:noFill/>
+          </a:ln>
+          <a:extLst>
+            <a:ext uri="{909E8E84-426E-40DD-AFC4-6F175D3DCCD1}">
+              <a14:hiddenFill xmlns:a14="http://schemas.microsoft.com/office/drawing/2010/main">
+                <a:solidFill>
+                  <a:schemeClr val="accent1"/>
+                </a:solidFill>
+              </a14:hiddenFill>
+            </a:ext>
+            <a:ext uri="{91240B29-F687-4F45-9708-019B960494DF}">
+              <a14:hiddenLine xmlns:a14="http://schemas.microsoft.com/office/drawing/2010/main" w="9525">
+                <a:solidFill>
+                  <a:schemeClr val="tx1"/>
+                </a:solidFill>
+                <a:miter lim="800000"/>
+                <a:headEnd/>
+                <a:tailEnd/>
+              </a14:hiddenLine>
+            </a:ext>
+          </a:extLst>
+        </p:spPr>
+      </p:pic>
+    </p:spTree>
+    <p:extLst>
+      <p:ext uri="{BB962C8B-B14F-4D97-AF65-F5344CB8AC3E}">
+        <p14:creationId xmlns:p14="http://schemas.microsoft.com/office/powerpoint/2010/main" val="2182654639"/>
+      </p:ext>
+    </p:extLst>
+  </p:cSld>
+  <p:clrMapOvr>
+    <a:masterClrMapping/>
+  </p:clrMapOvr>
+</p:sld>
+</file>
+
+<file path=ppt/slides/slide22.xml><?xml version="1.0" encoding="utf-8"?>
+<p:sld xmlns:a="http://schemas.openxmlformats.org/drawingml/2006/main" xmlns:r="http://schemas.openxmlformats.org/officeDocument/2006/relationships" xmlns:p="http://schemas.openxmlformats.org/presentationml/2006/main">
+  <p:cSld>
+    <p:spTree>
+      <p:nvGrpSpPr>
+        <p:cNvPr id="1" name=""/>
+        <p:cNvGrpSpPr/>
+        <p:nvPr/>
+      </p:nvGrpSpPr>
+      <p:grpSpPr>
+        <a:xfrm>
+          <a:off x="0" y="0"/>
+          <a:ext cx="0" cy="0"/>
+          <a:chOff x="0" y="0"/>
+          <a:chExt cx="0" cy="0"/>
+        </a:xfrm>
+      </p:grpSpPr>
+      <p:sp>
+        <p:nvSpPr>
           <p:cNvPr id="5" name="Titre 4"/>
           <p:cNvSpPr>
             <a:spLocks noGrp="1"/>
@@ -11212,7 +13275,7 @@
             <a:fld id="{256D3EEF-DE4E-429D-8EC4-DDC531AFF587}" type="slidenum">
               <a:rPr lang="fr-FR" smtClean="0"/>
               <a:pPr/>
-              <a:t>17</a:t>
+              <a:t>22</a:t>
             </a:fld>
             <a:endParaRPr lang="fr-FR" dirty="0"/>
           </a:p>
@@ -11283,7 +13346,7 @@
 </p:sld>
 </file>
 
-<file path=ppt/slides/slide18.xml><?xml version="1.0" encoding="utf-8"?>
+<file path=ppt/slides/slide23.xml><?xml version="1.0" encoding="utf-8"?>
 <p:sld xmlns:a="http://schemas.openxmlformats.org/drawingml/2006/main" xmlns:r="http://schemas.openxmlformats.org/officeDocument/2006/relationships" xmlns:p="http://schemas.openxmlformats.org/presentationml/2006/main">
   <p:cSld>
     <p:spTree>
@@ -11463,7 +13526,7 @@
             <a:fld id="{256D3EEF-DE4E-429D-8EC4-DDC531AFF587}" type="slidenum">
               <a:rPr lang="fr-FR" smtClean="0"/>
               <a:pPr/>
-              <a:t>18</a:t>
+              <a:t>23</a:t>
             </a:fld>
             <a:endParaRPr lang="fr-FR" dirty="0"/>
           </a:p>
@@ -11683,7 +13746,7 @@
 </p:sld>
 </file>
 
-<file path=ppt/slides/slide19.xml><?xml version="1.0" encoding="utf-8"?>
+<file path=ppt/slides/slide24.xml><?xml version="1.0" encoding="utf-8"?>
 <p:sld xmlns:a="http://schemas.openxmlformats.org/drawingml/2006/main" xmlns:r="http://schemas.openxmlformats.org/officeDocument/2006/relationships" xmlns:p="http://schemas.openxmlformats.org/presentationml/2006/main">
   <p:cSld>
     <p:spTree>
@@ -11745,7 +13808,7 @@
             <a:fld id="{256D3EEF-DE4E-429D-8EC4-DDC531AFF587}" type="slidenum">
               <a:rPr lang="fr-FR" smtClean="0"/>
               <a:pPr/>
-              <a:t>19</a:t>
+              <a:t>24</a:t>
             </a:fld>
             <a:endParaRPr lang="fr-FR" dirty="0"/>
           </a:p>
@@ -11837,738 +13900,6 @@
         <p14:creationId xmlns:p14="http://schemas.microsoft.com/office/powerpoint/2010/main" val="1651410228"/>
       </p:ext>
     </p:extLst>
-  </p:cSld>
-  <p:clrMapOvr>
-    <a:masterClrMapping/>
-  </p:clrMapOvr>
-  <p:timing>
-    <p:tnLst>
-      <p:par>
-        <p:cTn id="1" dur="indefinite" restart="never" nodeType="tmRoot"/>
-      </p:par>
-    </p:tnLst>
-  </p:timing>
-</p:sld>
-</file>
-
-<file path=ppt/slides/slide2.xml><?xml version="1.0" encoding="utf-8"?>
-<p:sld xmlns:a="http://schemas.openxmlformats.org/drawingml/2006/main" xmlns:r="http://schemas.openxmlformats.org/officeDocument/2006/relationships" xmlns:p="http://schemas.openxmlformats.org/presentationml/2006/main">
-  <p:cSld>
-    <p:spTree>
-      <p:nvGrpSpPr>
-        <p:cNvPr id="1" name=""/>
-        <p:cNvGrpSpPr/>
-        <p:nvPr/>
-      </p:nvGrpSpPr>
-      <p:grpSpPr>
-        <a:xfrm>
-          <a:off x="0" y="0"/>
-          <a:ext cx="0" cy="0"/>
-          <a:chOff x="0" y="0"/>
-          <a:chExt cx="0" cy="0"/>
-        </a:xfrm>
-      </p:grpSpPr>
-      <p:sp>
-        <p:nvSpPr>
-          <p:cNvPr id="3" name="Espace réservé du texte 2"/>
-          <p:cNvSpPr>
-            <a:spLocks noGrp="1"/>
-          </p:cNvSpPr>
-          <p:nvPr>
-            <p:ph type="body" sz="quarter" idx="13"/>
-          </p:nvPr>
-        </p:nvSpPr>
-        <p:spPr/>
-        <p:txBody>
-          <a:bodyPr>
-            <a:normAutofit fontScale="92500" lnSpcReduction="10000"/>
-          </a:bodyPr>
-          <a:lstStyle/>
-          <a:p>
-            <a:r>
-              <a:rPr lang="fr-FR" dirty="0" smtClean="0">
-                <a:hlinkClick r:id="rId2" action="ppaction://hlinksldjump"/>
-              </a:rPr>
-              <a:t>Présentation générale du Maxpid</a:t>
-            </a:r>
-            <a:endParaRPr lang="fr-FR" dirty="0">
-              <a:hlinkClick r:id="rId2" action="ppaction://hlinksldjump"/>
-            </a:endParaRPr>
-          </a:p>
-        </p:txBody>
-      </p:sp>
-      <p:sp>
-        <p:nvSpPr>
-          <p:cNvPr id="6" name="Espace réservé du texte 5"/>
-          <p:cNvSpPr>
-            <a:spLocks noGrp="1"/>
-          </p:cNvSpPr>
-          <p:nvPr>
-            <p:ph type="body" sz="quarter" idx="15"/>
-          </p:nvPr>
-        </p:nvSpPr>
-        <p:spPr/>
-        <p:txBody>
-          <a:bodyPr>
-            <a:normAutofit fontScale="92500" lnSpcReduction="10000"/>
-          </a:bodyPr>
-          <a:lstStyle/>
-          <a:p>
-            <a:r>
-              <a:rPr lang="fr-FR" dirty="0">
-                <a:hlinkClick r:id="rId3" action="ppaction://hlinksldjump"/>
-              </a:rPr>
-              <a:t>Mise en œuvre </a:t>
-            </a:r>
-            <a:r>
-              <a:rPr lang="fr-FR" dirty="0" smtClean="0">
-                <a:hlinkClick r:id="rId3" action="ppaction://hlinksldjump"/>
-              </a:rPr>
-              <a:t>du Maxpid</a:t>
-            </a:r>
-            <a:endParaRPr lang="fr-FR" dirty="0">
-              <a:hlinkClick r:id="rId3" action="ppaction://hlinksldjump"/>
-            </a:endParaRPr>
-          </a:p>
-        </p:txBody>
-      </p:sp>
-      <p:sp>
-        <p:nvSpPr>
-          <p:cNvPr id="8" name="Espace réservé du texte 7"/>
-          <p:cNvSpPr>
-            <a:spLocks noGrp="1"/>
-          </p:cNvSpPr>
-          <p:nvPr>
-            <p:ph type="body" sz="quarter" idx="17"/>
-          </p:nvPr>
-        </p:nvSpPr>
-        <p:spPr/>
-        <p:txBody>
-          <a:bodyPr>
-            <a:normAutofit fontScale="92500" lnSpcReduction="10000"/>
-          </a:bodyPr>
-          <a:lstStyle/>
-          <a:p>
-            <a:r>
-              <a:rPr lang="fr-FR" dirty="0">
-                <a:hlinkClick r:id="rId4" action="ppaction://hlinksldjump"/>
-              </a:rPr>
-              <a:t>Présentation externe </a:t>
-            </a:r>
-            <a:r>
-              <a:rPr lang="fr-FR" dirty="0" smtClean="0">
-                <a:hlinkClick r:id="rId4" action="ppaction://hlinksldjump"/>
-              </a:rPr>
-              <a:t>du Maxpid</a:t>
-            </a:r>
-            <a:endParaRPr lang="fr-FR" dirty="0">
-              <a:hlinkClick r:id="rId4" action="ppaction://hlinksldjump"/>
-            </a:endParaRPr>
-          </a:p>
-        </p:txBody>
-      </p:sp>
-      <p:sp>
-        <p:nvSpPr>
-          <p:cNvPr id="10" name="Espace réservé du texte 9"/>
-          <p:cNvSpPr>
-            <a:spLocks noGrp="1"/>
-          </p:cNvSpPr>
-          <p:nvPr>
-            <p:ph type="body" sz="quarter" idx="19"/>
-          </p:nvPr>
-        </p:nvSpPr>
-        <p:spPr/>
-        <p:txBody>
-          <a:bodyPr>
-            <a:normAutofit fontScale="92500" lnSpcReduction="10000"/>
-          </a:bodyPr>
-          <a:lstStyle/>
-          <a:p>
-            <a:r>
-              <a:rPr lang="fr-FR" dirty="0">
-                <a:hlinkClick r:id="rId5" action="ppaction://hlinksldjump"/>
-              </a:rPr>
-              <a:t>Présentation interne </a:t>
-            </a:r>
-            <a:r>
-              <a:rPr lang="fr-FR" dirty="0" smtClean="0">
-                <a:hlinkClick r:id="rId5" action="ppaction://hlinksldjump"/>
-              </a:rPr>
-              <a:t>du Maxpid</a:t>
-            </a:r>
-            <a:endParaRPr lang="fr-FR" dirty="0">
-              <a:hlinkClick r:id="rId5" action="ppaction://hlinksldjump"/>
-            </a:endParaRPr>
-          </a:p>
-        </p:txBody>
-      </p:sp>
-      <p:sp>
-        <p:nvSpPr>
-          <p:cNvPr id="12" name="Espace réservé du texte 11"/>
-          <p:cNvSpPr>
-            <a:spLocks noGrp="1"/>
-          </p:cNvSpPr>
-          <p:nvPr>
-            <p:ph type="body" sz="quarter" idx="21"/>
-          </p:nvPr>
-        </p:nvSpPr>
-        <p:spPr/>
-        <p:txBody>
-          <a:bodyPr>
-            <a:normAutofit fontScale="92500" lnSpcReduction="10000"/>
-          </a:bodyPr>
-          <a:lstStyle/>
-          <a:p>
-            <a:r>
-              <a:rPr lang="fr-FR" dirty="0">
-                <a:hlinkClick r:id="rId6" action="ppaction://hlinksldjump"/>
-              </a:rPr>
-              <a:t>Présentation du logiciel d’acquisition</a:t>
-            </a:r>
-          </a:p>
-        </p:txBody>
-      </p:sp>
-      <p:sp>
-        <p:nvSpPr>
-          <p:cNvPr id="14" name="Espace réservé du texte 13"/>
-          <p:cNvSpPr>
-            <a:spLocks noGrp="1"/>
-          </p:cNvSpPr>
-          <p:nvPr>
-            <p:ph type="body" sz="quarter" idx="23"/>
-          </p:nvPr>
-        </p:nvSpPr>
-        <p:spPr/>
-        <p:txBody>
-          <a:bodyPr>
-            <a:normAutofit fontScale="92500" lnSpcReduction="10000"/>
-          </a:bodyPr>
-          <a:lstStyle/>
-          <a:p>
-            <a:endParaRPr lang="fr-FR"/>
-          </a:p>
-        </p:txBody>
-      </p:sp>
-      <p:sp>
-        <p:nvSpPr>
-          <p:cNvPr id="16" name="Espace réservé du texte 15"/>
-          <p:cNvSpPr>
-            <a:spLocks noGrp="1"/>
-          </p:cNvSpPr>
-          <p:nvPr>
-            <p:ph type="body" sz="quarter" idx="25"/>
-          </p:nvPr>
-        </p:nvSpPr>
-        <p:spPr/>
-        <p:txBody>
-          <a:bodyPr>
-            <a:normAutofit fontScale="92500" lnSpcReduction="10000"/>
-          </a:bodyPr>
-          <a:lstStyle/>
-          <a:p>
-            <a:endParaRPr lang="fr-FR"/>
-          </a:p>
-        </p:txBody>
-      </p:sp>
-      <p:sp>
-        <p:nvSpPr>
-          <p:cNvPr id="18" name="Espace réservé du texte 17"/>
-          <p:cNvSpPr>
-            <a:spLocks noGrp="1"/>
-          </p:cNvSpPr>
-          <p:nvPr>
-            <p:ph type="body" sz="quarter" idx="27"/>
-          </p:nvPr>
-        </p:nvSpPr>
-        <p:spPr/>
-        <p:txBody>
-          <a:bodyPr>
-            <a:normAutofit fontScale="92500" lnSpcReduction="10000"/>
-          </a:bodyPr>
-          <a:lstStyle/>
-          <a:p>
-            <a:endParaRPr lang="fr-FR"/>
-          </a:p>
-        </p:txBody>
-      </p:sp>
-      <p:sp>
-        <p:nvSpPr>
-          <p:cNvPr id="20" name="Espace réservé du texte 19"/>
-          <p:cNvSpPr>
-            <a:spLocks noGrp="1"/>
-          </p:cNvSpPr>
-          <p:nvPr>
-            <p:ph type="body" sz="quarter" idx="29"/>
-          </p:nvPr>
-        </p:nvSpPr>
-        <p:spPr/>
-        <p:txBody>
-          <a:bodyPr>
-            <a:normAutofit fontScale="92500" lnSpcReduction="10000"/>
-          </a:bodyPr>
-          <a:lstStyle/>
-          <a:p>
-            <a:endParaRPr lang="fr-FR"/>
-          </a:p>
-        </p:txBody>
-      </p:sp>
-      <p:sp>
-        <p:nvSpPr>
-          <p:cNvPr id="22" name="Espace réservé du texte 21"/>
-          <p:cNvSpPr>
-            <a:spLocks noGrp="1"/>
-          </p:cNvSpPr>
-          <p:nvPr>
-            <p:ph type="body" sz="quarter" idx="31"/>
-          </p:nvPr>
-        </p:nvSpPr>
-        <p:spPr/>
-        <p:txBody>
-          <a:bodyPr>
-            <a:normAutofit fontScale="92500" lnSpcReduction="10000"/>
-          </a:bodyPr>
-          <a:lstStyle/>
-          <a:p>
-            <a:endParaRPr lang="fr-FR"/>
-          </a:p>
-        </p:txBody>
-      </p:sp>
-      <p:sp>
-        <p:nvSpPr>
-          <p:cNvPr id="24" name="Espace réservé du texte 23"/>
-          <p:cNvSpPr>
-            <a:spLocks noGrp="1"/>
-          </p:cNvSpPr>
-          <p:nvPr>
-            <p:ph type="body" sz="quarter" idx="33"/>
-          </p:nvPr>
-        </p:nvSpPr>
-        <p:spPr/>
-        <p:txBody>
-          <a:bodyPr>
-            <a:normAutofit fontScale="92500" lnSpcReduction="10000"/>
-          </a:bodyPr>
-          <a:lstStyle/>
-          <a:p>
-            <a:endParaRPr lang="fr-FR"/>
-          </a:p>
-        </p:txBody>
-      </p:sp>
-      <p:sp>
-        <p:nvSpPr>
-          <p:cNvPr id="26" name="Espace réservé du texte 25"/>
-          <p:cNvSpPr>
-            <a:spLocks noGrp="1"/>
-          </p:cNvSpPr>
-          <p:nvPr>
-            <p:ph type="body" sz="quarter" idx="35"/>
-          </p:nvPr>
-        </p:nvSpPr>
-        <p:spPr/>
-        <p:txBody>
-          <a:bodyPr>
-            <a:normAutofit fontScale="92500" lnSpcReduction="10000"/>
-          </a:bodyPr>
-          <a:lstStyle/>
-          <a:p>
-            <a:endParaRPr lang="fr-FR"/>
-          </a:p>
-        </p:txBody>
-      </p:sp>
-      <p:sp>
-        <p:nvSpPr>
-          <p:cNvPr id="5" name="Espace réservé du texte 4"/>
-          <p:cNvSpPr>
-            <a:spLocks noGrp="1"/>
-          </p:cNvSpPr>
-          <p:nvPr>
-            <p:ph type="body" sz="quarter" idx="14"/>
-          </p:nvPr>
-        </p:nvSpPr>
-        <p:spPr/>
-        <p:txBody>
-          <a:bodyPr>
-            <a:normAutofit fontScale="92500" lnSpcReduction="10000"/>
-          </a:bodyPr>
-          <a:lstStyle/>
-          <a:p>
-            <a:endParaRPr lang="fr-FR" dirty="0"/>
-          </a:p>
-        </p:txBody>
-      </p:sp>
-      <p:sp>
-        <p:nvSpPr>
-          <p:cNvPr id="7" name="Espace réservé du texte 6"/>
-          <p:cNvSpPr>
-            <a:spLocks noGrp="1"/>
-          </p:cNvSpPr>
-          <p:nvPr>
-            <p:ph type="body" sz="quarter" idx="16"/>
-          </p:nvPr>
-        </p:nvSpPr>
-        <p:spPr/>
-        <p:txBody>
-          <a:bodyPr>
-            <a:normAutofit fontScale="92500" lnSpcReduction="10000"/>
-          </a:bodyPr>
-          <a:lstStyle/>
-          <a:p>
-            <a:endParaRPr lang="fr-FR"/>
-          </a:p>
-        </p:txBody>
-      </p:sp>
-      <p:sp>
-        <p:nvSpPr>
-          <p:cNvPr id="9" name="Espace réservé du texte 8"/>
-          <p:cNvSpPr>
-            <a:spLocks noGrp="1"/>
-          </p:cNvSpPr>
-          <p:nvPr>
-            <p:ph type="body" sz="quarter" idx="18"/>
-          </p:nvPr>
-        </p:nvSpPr>
-        <p:spPr/>
-        <p:txBody>
-          <a:bodyPr>
-            <a:normAutofit fontScale="92500" lnSpcReduction="10000"/>
-          </a:bodyPr>
-          <a:lstStyle/>
-          <a:p>
-            <a:endParaRPr lang="fr-FR"/>
-          </a:p>
-        </p:txBody>
-      </p:sp>
-      <p:sp>
-        <p:nvSpPr>
-          <p:cNvPr id="11" name="Espace réservé du texte 10"/>
-          <p:cNvSpPr>
-            <a:spLocks noGrp="1"/>
-          </p:cNvSpPr>
-          <p:nvPr>
-            <p:ph type="body" sz="quarter" idx="20"/>
-          </p:nvPr>
-        </p:nvSpPr>
-        <p:spPr/>
-        <p:txBody>
-          <a:bodyPr>
-            <a:normAutofit fontScale="92500" lnSpcReduction="10000"/>
-          </a:bodyPr>
-          <a:lstStyle/>
-          <a:p>
-            <a:endParaRPr lang="fr-FR"/>
-          </a:p>
-        </p:txBody>
-      </p:sp>
-      <p:sp>
-        <p:nvSpPr>
-          <p:cNvPr id="13" name="Espace réservé du texte 12"/>
-          <p:cNvSpPr>
-            <a:spLocks noGrp="1"/>
-          </p:cNvSpPr>
-          <p:nvPr>
-            <p:ph type="body" sz="quarter" idx="22"/>
-          </p:nvPr>
-        </p:nvSpPr>
-        <p:spPr/>
-        <p:txBody>
-          <a:bodyPr>
-            <a:normAutofit fontScale="92500" lnSpcReduction="10000"/>
-          </a:bodyPr>
-          <a:lstStyle/>
-          <a:p>
-            <a:endParaRPr lang="fr-FR"/>
-          </a:p>
-        </p:txBody>
-      </p:sp>
-      <p:sp>
-        <p:nvSpPr>
-          <p:cNvPr id="15" name="Espace réservé du texte 14"/>
-          <p:cNvSpPr>
-            <a:spLocks noGrp="1"/>
-          </p:cNvSpPr>
-          <p:nvPr>
-            <p:ph type="body" sz="quarter" idx="24"/>
-          </p:nvPr>
-        </p:nvSpPr>
-        <p:spPr/>
-        <p:txBody>
-          <a:bodyPr>
-            <a:normAutofit fontScale="92500" lnSpcReduction="10000"/>
-          </a:bodyPr>
-          <a:lstStyle/>
-          <a:p>
-            <a:endParaRPr lang="fr-FR"/>
-          </a:p>
-        </p:txBody>
-      </p:sp>
-      <p:sp>
-        <p:nvSpPr>
-          <p:cNvPr id="17" name="Espace réservé du texte 16"/>
-          <p:cNvSpPr>
-            <a:spLocks noGrp="1"/>
-          </p:cNvSpPr>
-          <p:nvPr>
-            <p:ph type="body" sz="quarter" idx="26"/>
-          </p:nvPr>
-        </p:nvSpPr>
-        <p:spPr/>
-        <p:txBody>
-          <a:bodyPr>
-            <a:normAutofit fontScale="92500" lnSpcReduction="10000"/>
-          </a:bodyPr>
-          <a:lstStyle/>
-          <a:p>
-            <a:endParaRPr lang="fr-FR"/>
-          </a:p>
-        </p:txBody>
-      </p:sp>
-      <p:sp>
-        <p:nvSpPr>
-          <p:cNvPr id="19" name="Espace réservé du texte 18"/>
-          <p:cNvSpPr>
-            <a:spLocks noGrp="1"/>
-          </p:cNvSpPr>
-          <p:nvPr>
-            <p:ph type="body" sz="quarter" idx="28"/>
-          </p:nvPr>
-        </p:nvSpPr>
-        <p:spPr/>
-        <p:txBody>
-          <a:bodyPr>
-            <a:normAutofit fontScale="92500" lnSpcReduction="10000"/>
-          </a:bodyPr>
-          <a:lstStyle/>
-          <a:p>
-            <a:endParaRPr lang="fr-FR"/>
-          </a:p>
-        </p:txBody>
-      </p:sp>
-      <p:sp>
-        <p:nvSpPr>
-          <p:cNvPr id="21" name="Espace réservé du texte 20"/>
-          <p:cNvSpPr>
-            <a:spLocks noGrp="1"/>
-          </p:cNvSpPr>
-          <p:nvPr>
-            <p:ph type="body" sz="quarter" idx="30"/>
-          </p:nvPr>
-        </p:nvSpPr>
-        <p:spPr/>
-        <p:txBody>
-          <a:bodyPr>
-            <a:normAutofit fontScale="92500" lnSpcReduction="10000"/>
-          </a:bodyPr>
-          <a:lstStyle/>
-          <a:p>
-            <a:endParaRPr lang="fr-FR"/>
-          </a:p>
-        </p:txBody>
-      </p:sp>
-      <p:sp>
-        <p:nvSpPr>
-          <p:cNvPr id="23" name="Espace réservé du texte 22"/>
-          <p:cNvSpPr>
-            <a:spLocks noGrp="1"/>
-          </p:cNvSpPr>
-          <p:nvPr>
-            <p:ph type="body" sz="quarter" idx="32"/>
-          </p:nvPr>
-        </p:nvSpPr>
-        <p:spPr/>
-        <p:txBody>
-          <a:bodyPr>
-            <a:normAutofit fontScale="92500" lnSpcReduction="10000"/>
-          </a:bodyPr>
-          <a:lstStyle/>
-          <a:p>
-            <a:endParaRPr lang="fr-FR"/>
-          </a:p>
-        </p:txBody>
-      </p:sp>
-      <p:sp>
-        <p:nvSpPr>
-          <p:cNvPr id="25" name="Espace réservé du texte 24"/>
-          <p:cNvSpPr>
-            <a:spLocks noGrp="1"/>
-          </p:cNvSpPr>
-          <p:nvPr>
-            <p:ph type="body" sz="quarter" idx="34"/>
-          </p:nvPr>
-        </p:nvSpPr>
-        <p:spPr/>
-        <p:txBody>
-          <a:bodyPr>
-            <a:normAutofit fontScale="92500" lnSpcReduction="10000"/>
-          </a:bodyPr>
-          <a:lstStyle/>
-          <a:p>
-            <a:endParaRPr lang="fr-FR"/>
-          </a:p>
-        </p:txBody>
-      </p:sp>
-      <p:sp>
-        <p:nvSpPr>
-          <p:cNvPr id="27" name="Espace réservé du texte 26"/>
-          <p:cNvSpPr>
-            <a:spLocks noGrp="1"/>
-          </p:cNvSpPr>
-          <p:nvPr>
-            <p:ph type="body" sz="quarter" idx="36"/>
-          </p:nvPr>
-        </p:nvSpPr>
-        <p:spPr/>
-        <p:txBody>
-          <a:bodyPr>
-            <a:normAutofit fontScale="92500" lnSpcReduction="10000"/>
-          </a:bodyPr>
-          <a:lstStyle/>
-          <a:p>
-            <a:endParaRPr lang="fr-FR"/>
-          </a:p>
-        </p:txBody>
-      </p:sp>
-      <p:sp>
-        <p:nvSpPr>
-          <p:cNvPr id="28" name="Espace réservé du texte 27"/>
-          <p:cNvSpPr>
-            <a:spLocks noGrp="1"/>
-          </p:cNvSpPr>
-          <p:nvPr>
-            <p:ph type="body" sz="quarter" idx="37"/>
-          </p:nvPr>
-        </p:nvSpPr>
-        <p:spPr/>
-        <p:txBody>
-          <a:bodyPr/>
-          <a:lstStyle/>
-          <a:p>
-            <a:endParaRPr lang="fr-FR"/>
-          </a:p>
-        </p:txBody>
-      </p:sp>
-      <p:sp>
-        <p:nvSpPr>
-          <p:cNvPr id="29" name="Espace réservé du texte 28"/>
-          <p:cNvSpPr>
-            <a:spLocks noGrp="1"/>
-          </p:cNvSpPr>
-          <p:nvPr>
-            <p:ph type="body" sz="quarter" idx="38"/>
-          </p:nvPr>
-        </p:nvSpPr>
-        <p:spPr/>
-        <p:txBody>
-          <a:bodyPr>
-            <a:normAutofit fontScale="92500" lnSpcReduction="10000"/>
-          </a:bodyPr>
-          <a:lstStyle/>
-          <a:p>
-            <a:endParaRPr lang="fr-FR"/>
-          </a:p>
-        </p:txBody>
-      </p:sp>
-      <p:sp>
-        <p:nvSpPr>
-          <p:cNvPr id="2" name="Espace réservé du numéro de diapositive 1"/>
-          <p:cNvSpPr>
-            <a:spLocks noGrp="1"/>
-          </p:cNvSpPr>
-          <p:nvPr>
-            <p:ph type="sldNum" sz="quarter" idx="40"/>
-          </p:nvPr>
-        </p:nvSpPr>
-        <p:spPr/>
-        <p:txBody>
-          <a:bodyPr/>
-          <a:lstStyle/>
-          <a:p>
-            <a:pPr algn="r"/>
-            <a:fld id="{256D3EEF-DE4E-429D-8EC4-DDC531AFF587}" type="slidenum">
-              <a:rPr kumimoji="0" lang="fr-FR" sz="1000" smtClean="0"/>
-              <a:pPr algn="r"/>
-              <a:t>2</a:t>
-            </a:fld>
-            <a:endParaRPr kumimoji="0" lang="fr-FR"/>
-          </a:p>
-        </p:txBody>
-      </p:sp>
-      <p:sp>
-        <p:nvSpPr>
-          <p:cNvPr id="4" name="Titre 3"/>
-          <p:cNvSpPr>
-            <a:spLocks noGrp="1"/>
-          </p:cNvSpPr>
-          <p:nvPr>
-            <p:ph type="ctrTitle" idx="4294967295"/>
-          </p:nvPr>
-        </p:nvSpPr>
-        <p:spPr>
-          <a:xfrm>
-            <a:off x="0" y="4114800"/>
-            <a:ext cx="7239000" cy="533400"/>
-          </a:xfrm>
-          <a:prstGeom prst="rect">
-            <a:avLst/>
-          </a:prstGeom>
-        </p:spPr>
-        <p:txBody>
-          <a:bodyPr/>
-          <a:lstStyle/>
-          <a:p>
-            <a:r>
-              <a:rPr dirty="0" smtClean="0"/>
-              <a:t>Plan</a:t>
-            </a:r>
-            <a:endParaRPr lang="fr-FR" dirty="0"/>
-          </a:p>
-        </p:txBody>
-      </p:sp>
-      <p:sp>
-        <p:nvSpPr>
-          <p:cNvPr id="30" name="ZoneTexte 29">
-            <a:hlinkClick r:id="rId7" action="ppaction://hlinksldjump"/>
-          </p:cNvPr>
-          <p:cNvSpPr txBox="1"/>
-          <p:nvPr/>
-        </p:nvSpPr>
-        <p:spPr>
-          <a:xfrm>
-            <a:off x="107504" y="6525344"/>
-            <a:ext cx="8136904" cy="307777"/>
-          </a:xfrm>
-          <a:prstGeom prst="rect">
-            <a:avLst/>
-          </a:prstGeom>
-          <a:noFill/>
-        </p:spPr>
-        <p:txBody>
-          <a:bodyPr wrap="square" rtlCol="0">
-            <a:spAutoFit/>
-          </a:bodyPr>
-          <a:lstStyle/>
-          <a:p>
-            <a:pPr algn="r"/>
-            <a:r>
-              <a:rPr lang="fr-FR" sz="1400" i="1" dirty="0" smtClean="0">
-                <a:solidFill>
-                  <a:schemeClr val="bg1">
-                    <a:lumMod val="50000"/>
-                  </a:schemeClr>
-                </a:solidFill>
-              </a:rPr>
-              <a:t>Retour vers le menu</a:t>
-            </a:r>
-            <a:endParaRPr lang="fr-FR" sz="1400" i="1" dirty="0">
-              <a:solidFill>
-                <a:schemeClr val="bg1">
-                  <a:lumMod val="50000"/>
-                </a:schemeClr>
-              </a:solidFill>
-            </a:endParaRPr>
-          </a:p>
-        </p:txBody>
-      </p:sp>
-    </p:spTree>
   </p:cSld>
   <p:clrMapOvr>
     <a:masterClrMapping/>
